--- a/files/tools/ppt/Pitch Prep_FacilitationDeck.pptx
+++ b/files/tools/ppt/Pitch Prep_FacilitationDeck.pptx
@@ -18,6 +18,11 @@
     <p:sldId id="263" r:id="rId15"/>
     <p:sldId id="264" r:id="rId16"/>
     <p:sldId id="265" r:id="rId17"/>
+    <p:sldId id="266" r:id="rId18"/>
+    <p:sldId id="267" r:id="rId19"/>
+    <p:sldId id="268" r:id="rId20"/>
+    <p:sldId id="269" r:id="rId21"/>
+    <p:sldId id="270" r:id="rId22"/>
   </p:sldIdLst>
   <p:sldSz cx="24384000" cy="13716000"/>
   <p:notesSz cx="6858000" cy="9144000"/>
@@ -63,7 +68,7 @@
       <a:buFontTx/>
       <a:buNone/>
       <a:tabLst/>
-      <a:defRPr b="1" baseline="0" cap="none" i="0" spc="0" strike="noStrike" sz="3000" u="none" kumimoji="0" normalizeH="0">
+      <a:defRPr b="0" baseline="0" cap="none" i="0" spc="0" strike="noStrike" sz="3000" u="none" kumimoji="0" normalizeH="0">
         <a:ln>
           <a:noFill/>
         </a:ln>
@@ -72,13 +77,13 @@
         </a:solidFill>
         <a:effectLst/>
         <a:uFillTx/>
-        <a:latin typeface="Helvetica Neue"/>
-        <a:ea typeface="Helvetica Neue"/>
-        <a:cs typeface="Helvetica Neue"/>
-        <a:sym typeface="Helvetica Neue"/>
+        <a:latin typeface="Helvetica Neue Medium"/>
+        <a:ea typeface="Helvetica Neue Medium"/>
+        <a:cs typeface="Helvetica Neue Medium"/>
+        <a:sym typeface="Helvetica Neue Medium"/>
       </a:defRPr>
     </a:lvl1pPr>
-    <a:lvl2pPr marL="0" marR="0" indent="228600" algn="ctr" defTabSz="825500" rtl="0" fontAlgn="auto" latinLnBrk="0" hangingPunct="0">
+    <a:lvl2pPr marL="0" marR="0" indent="0" algn="ctr" defTabSz="825500" rtl="0" fontAlgn="auto" latinLnBrk="0" hangingPunct="0">
       <a:lnSpc>
         <a:spcPct val="100000"/>
       </a:lnSpc>
@@ -93,7 +98,7 @@
       <a:buFontTx/>
       <a:buNone/>
       <a:tabLst/>
-      <a:defRPr b="1" baseline="0" cap="none" i="0" spc="0" strike="noStrike" sz="3000" u="none" kumimoji="0" normalizeH="0">
+      <a:defRPr b="0" baseline="0" cap="none" i="0" spc="0" strike="noStrike" sz="3000" u="none" kumimoji="0" normalizeH="0">
         <a:ln>
           <a:noFill/>
         </a:ln>
@@ -102,13 +107,13 @@
         </a:solidFill>
         <a:effectLst/>
         <a:uFillTx/>
-        <a:latin typeface="Helvetica Neue"/>
-        <a:ea typeface="Helvetica Neue"/>
-        <a:cs typeface="Helvetica Neue"/>
-        <a:sym typeface="Helvetica Neue"/>
+        <a:latin typeface="Helvetica Neue Medium"/>
+        <a:ea typeface="Helvetica Neue Medium"/>
+        <a:cs typeface="Helvetica Neue Medium"/>
+        <a:sym typeface="Helvetica Neue Medium"/>
       </a:defRPr>
     </a:lvl2pPr>
-    <a:lvl3pPr marL="0" marR="0" indent="457200" algn="ctr" defTabSz="825500" rtl="0" fontAlgn="auto" latinLnBrk="0" hangingPunct="0">
+    <a:lvl3pPr marL="0" marR="0" indent="0" algn="ctr" defTabSz="825500" rtl="0" fontAlgn="auto" latinLnBrk="0" hangingPunct="0">
       <a:lnSpc>
         <a:spcPct val="100000"/>
       </a:lnSpc>
@@ -123,7 +128,7 @@
       <a:buFontTx/>
       <a:buNone/>
       <a:tabLst/>
-      <a:defRPr b="1" baseline="0" cap="none" i="0" spc="0" strike="noStrike" sz="3000" u="none" kumimoji="0" normalizeH="0">
+      <a:defRPr b="0" baseline="0" cap="none" i="0" spc="0" strike="noStrike" sz="3000" u="none" kumimoji="0" normalizeH="0">
         <a:ln>
           <a:noFill/>
         </a:ln>
@@ -132,13 +137,13 @@
         </a:solidFill>
         <a:effectLst/>
         <a:uFillTx/>
-        <a:latin typeface="Helvetica Neue"/>
-        <a:ea typeface="Helvetica Neue"/>
-        <a:cs typeface="Helvetica Neue"/>
-        <a:sym typeface="Helvetica Neue"/>
+        <a:latin typeface="Helvetica Neue Medium"/>
+        <a:ea typeface="Helvetica Neue Medium"/>
+        <a:cs typeface="Helvetica Neue Medium"/>
+        <a:sym typeface="Helvetica Neue Medium"/>
       </a:defRPr>
     </a:lvl3pPr>
-    <a:lvl4pPr marL="0" marR="0" indent="685800" algn="ctr" defTabSz="825500" rtl="0" fontAlgn="auto" latinLnBrk="0" hangingPunct="0">
+    <a:lvl4pPr marL="0" marR="0" indent="0" algn="ctr" defTabSz="825500" rtl="0" fontAlgn="auto" latinLnBrk="0" hangingPunct="0">
       <a:lnSpc>
         <a:spcPct val="100000"/>
       </a:lnSpc>
@@ -153,7 +158,7 @@
       <a:buFontTx/>
       <a:buNone/>
       <a:tabLst/>
-      <a:defRPr b="1" baseline="0" cap="none" i="0" spc="0" strike="noStrike" sz="3000" u="none" kumimoji="0" normalizeH="0">
+      <a:defRPr b="0" baseline="0" cap="none" i="0" spc="0" strike="noStrike" sz="3000" u="none" kumimoji="0" normalizeH="0">
         <a:ln>
           <a:noFill/>
         </a:ln>
@@ -162,13 +167,13 @@
         </a:solidFill>
         <a:effectLst/>
         <a:uFillTx/>
-        <a:latin typeface="Helvetica Neue"/>
-        <a:ea typeface="Helvetica Neue"/>
-        <a:cs typeface="Helvetica Neue"/>
-        <a:sym typeface="Helvetica Neue"/>
+        <a:latin typeface="Helvetica Neue Medium"/>
+        <a:ea typeface="Helvetica Neue Medium"/>
+        <a:cs typeface="Helvetica Neue Medium"/>
+        <a:sym typeface="Helvetica Neue Medium"/>
       </a:defRPr>
     </a:lvl4pPr>
-    <a:lvl5pPr marL="0" marR="0" indent="914400" algn="ctr" defTabSz="825500" rtl="0" fontAlgn="auto" latinLnBrk="0" hangingPunct="0">
+    <a:lvl5pPr marL="0" marR="0" indent="0" algn="ctr" defTabSz="825500" rtl="0" fontAlgn="auto" latinLnBrk="0" hangingPunct="0">
       <a:lnSpc>
         <a:spcPct val="100000"/>
       </a:lnSpc>
@@ -183,7 +188,7 @@
       <a:buFontTx/>
       <a:buNone/>
       <a:tabLst/>
-      <a:defRPr b="1" baseline="0" cap="none" i="0" spc="0" strike="noStrike" sz="3000" u="none" kumimoji="0" normalizeH="0">
+      <a:defRPr b="0" baseline="0" cap="none" i="0" spc="0" strike="noStrike" sz="3000" u="none" kumimoji="0" normalizeH="0">
         <a:ln>
           <a:noFill/>
         </a:ln>
@@ -192,13 +197,13 @@
         </a:solidFill>
         <a:effectLst/>
         <a:uFillTx/>
-        <a:latin typeface="Helvetica Neue"/>
-        <a:ea typeface="Helvetica Neue"/>
-        <a:cs typeface="Helvetica Neue"/>
-        <a:sym typeface="Helvetica Neue"/>
+        <a:latin typeface="Helvetica Neue Medium"/>
+        <a:ea typeface="Helvetica Neue Medium"/>
+        <a:cs typeface="Helvetica Neue Medium"/>
+        <a:sym typeface="Helvetica Neue Medium"/>
       </a:defRPr>
     </a:lvl5pPr>
-    <a:lvl6pPr marL="0" marR="0" indent="1143000" algn="ctr" defTabSz="825500" rtl="0" fontAlgn="auto" latinLnBrk="0" hangingPunct="0">
+    <a:lvl6pPr marL="0" marR="0" indent="0" algn="ctr" defTabSz="825500" rtl="0" fontAlgn="auto" latinLnBrk="0" hangingPunct="0">
       <a:lnSpc>
         <a:spcPct val="100000"/>
       </a:lnSpc>
@@ -213,7 +218,7 @@
       <a:buFontTx/>
       <a:buNone/>
       <a:tabLst/>
-      <a:defRPr b="1" baseline="0" cap="none" i="0" spc="0" strike="noStrike" sz="3000" u="none" kumimoji="0" normalizeH="0">
+      <a:defRPr b="0" baseline="0" cap="none" i="0" spc="0" strike="noStrike" sz="3000" u="none" kumimoji="0" normalizeH="0">
         <a:ln>
           <a:noFill/>
         </a:ln>
@@ -222,13 +227,13 @@
         </a:solidFill>
         <a:effectLst/>
         <a:uFillTx/>
-        <a:latin typeface="Helvetica Neue"/>
-        <a:ea typeface="Helvetica Neue"/>
-        <a:cs typeface="Helvetica Neue"/>
-        <a:sym typeface="Helvetica Neue"/>
+        <a:latin typeface="Helvetica Neue Medium"/>
+        <a:ea typeface="Helvetica Neue Medium"/>
+        <a:cs typeface="Helvetica Neue Medium"/>
+        <a:sym typeface="Helvetica Neue Medium"/>
       </a:defRPr>
     </a:lvl6pPr>
-    <a:lvl7pPr marL="0" marR="0" indent="1371600" algn="ctr" defTabSz="825500" rtl="0" fontAlgn="auto" latinLnBrk="0" hangingPunct="0">
+    <a:lvl7pPr marL="0" marR="0" indent="0" algn="ctr" defTabSz="825500" rtl="0" fontAlgn="auto" latinLnBrk="0" hangingPunct="0">
       <a:lnSpc>
         <a:spcPct val="100000"/>
       </a:lnSpc>
@@ -243,7 +248,7 @@
       <a:buFontTx/>
       <a:buNone/>
       <a:tabLst/>
-      <a:defRPr b="1" baseline="0" cap="none" i="0" spc="0" strike="noStrike" sz="3000" u="none" kumimoji="0" normalizeH="0">
+      <a:defRPr b="0" baseline="0" cap="none" i="0" spc="0" strike="noStrike" sz="3000" u="none" kumimoji="0" normalizeH="0">
         <a:ln>
           <a:noFill/>
         </a:ln>
@@ -252,13 +257,13 @@
         </a:solidFill>
         <a:effectLst/>
         <a:uFillTx/>
-        <a:latin typeface="Helvetica Neue"/>
-        <a:ea typeface="Helvetica Neue"/>
-        <a:cs typeface="Helvetica Neue"/>
-        <a:sym typeface="Helvetica Neue"/>
+        <a:latin typeface="Helvetica Neue Medium"/>
+        <a:ea typeface="Helvetica Neue Medium"/>
+        <a:cs typeface="Helvetica Neue Medium"/>
+        <a:sym typeface="Helvetica Neue Medium"/>
       </a:defRPr>
     </a:lvl7pPr>
-    <a:lvl8pPr marL="0" marR="0" indent="1600200" algn="ctr" defTabSz="825500" rtl="0" fontAlgn="auto" latinLnBrk="0" hangingPunct="0">
+    <a:lvl8pPr marL="0" marR="0" indent="0" algn="ctr" defTabSz="825500" rtl="0" fontAlgn="auto" latinLnBrk="0" hangingPunct="0">
       <a:lnSpc>
         <a:spcPct val="100000"/>
       </a:lnSpc>
@@ -273,7 +278,7 @@
       <a:buFontTx/>
       <a:buNone/>
       <a:tabLst/>
-      <a:defRPr b="1" baseline="0" cap="none" i="0" spc="0" strike="noStrike" sz="3000" u="none" kumimoji="0" normalizeH="0">
+      <a:defRPr b="0" baseline="0" cap="none" i="0" spc="0" strike="noStrike" sz="3000" u="none" kumimoji="0" normalizeH="0">
         <a:ln>
           <a:noFill/>
         </a:ln>
@@ -282,13 +287,13 @@
         </a:solidFill>
         <a:effectLst/>
         <a:uFillTx/>
-        <a:latin typeface="Helvetica Neue"/>
-        <a:ea typeface="Helvetica Neue"/>
-        <a:cs typeface="Helvetica Neue"/>
-        <a:sym typeface="Helvetica Neue"/>
+        <a:latin typeface="Helvetica Neue Medium"/>
+        <a:ea typeface="Helvetica Neue Medium"/>
+        <a:cs typeface="Helvetica Neue Medium"/>
+        <a:sym typeface="Helvetica Neue Medium"/>
       </a:defRPr>
     </a:lvl8pPr>
-    <a:lvl9pPr marL="0" marR="0" indent="1828800" algn="ctr" defTabSz="825500" rtl="0" fontAlgn="auto" latinLnBrk="0" hangingPunct="0">
+    <a:lvl9pPr marL="0" marR="0" indent="0" algn="ctr" defTabSz="825500" rtl="0" fontAlgn="auto" latinLnBrk="0" hangingPunct="0">
       <a:lnSpc>
         <a:spcPct val="100000"/>
       </a:lnSpc>
@@ -303,7 +308,7 @@
       <a:buFontTx/>
       <a:buNone/>
       <a:tabLst/>
-      <a:defRPr b="1" baseline="0" cap="none" i="0" spc="0" strike="noStrike" sz="3000" u="none" kumimoji="0" normalizeH="0">
+      <a:defRPr b="0" baseline="0" cap="none" i="0" spc="0" strike="noStrike" sz="3000" u="none" kumimoji="0" normalizeH="0">
         <a:ln>
           <a:noFill/>
         </a:ln>
@@ -312,10 +317,10 @@
         </a:solidFill>
         <a:effectLst/>
         <a:uFillTx/>
-        <a:latin typeface="Helvetica Neue"/>
-        <a:ea typeface="Helvetica Neue"/>
-        <a:cs typeface="Helvetica Neue"/>
-        <a:sym typeface="Helvetica Neue"/>
+        <a:latin typeface="Helvetica Neue Medium"/>
+        <a:ea typeface="Helvetica Neue Medium"/>
+        <a:cs typeface="Helvetica Neue Medium"/>
+        <a:sym typeface="Helvetica Neue Medium"/>
       </a:defRPr>
     </a:lvl9pPr>
   </p:defaultTextStyle>
@@ -345,7 +350,7 @@
       </p:grpSpPr>
       <p:sp>
         <p:nvSpPr>
-          <p:cNvPr id="116" name="Shape 116"/>
+          <p:cNvPr id="118" name="Shape 118"/>
           <p:cNvSpPr/>
           <p:nvPr>
             <p:ph type="sldImg"/>
@@ -370,7 +375,7 @@
       </p:sp>
       <p:sp>
         <p:nvSpPr>
-          <p:cNvPr id="117" name="Shape 117"/>
+          <p:cNvPr id="119" name="Shape 119"/>
           <p:cNvSpPr/>
           <p:nvPr>
             <p:ph type="body" sz="quarter" idx="1"/>
@@ -402,9 +407,9 @@
         <a:spcPct val="117999"/>
       </a:lnSpc>
       <a:defRPr sz="2200">
-        <a:latin typeface="Helvetica Neue"/>
-        <a:ea typeface="Helvetica Neue"/>
-        <a:cs typeface="Helvetica Neue"/>
+        <a:latin typeface="+mj-lt"/>
+        <a:ea typeface="+mj-ea"/>
+        <a:cs typeface="+mj-cs"/>
         <a:sym typeface="Helvetica Neue"/>
       </a:defRPr>
     </a:lvl1pPr>
@@ -413,9 +418,9 @@
         <a:spcPct val="117999"/>
       </a:lnSpc>
       <a:defRPr sz="2200">
-        <a:latin typeface="Helvetica Neue"/>
-        <a:ea typeface="Helvetica Neue"/>
-        <a:cs typeface="Helvetica Neue"/>
+        <a:latin typeface="+mj-lt"/>
+        <a:ea typeface="+mj-ea"/>
+        <a:cs typeface="+mj-cs"/>
         <a:sym typeface="Helvetica Neue"/>
       </a:defRPr>
     </a:lvl2pPr>
@@ -424,9 +429,9 @@
         <a:spcPct val="117999"/>
       </a:lnSpc>
       <a:defRPr sz="2200">
-        <a:latin typeface="Helvetica Neue"/>
-        <a:ea typeface="Helvetica Neue"/>
-        <a:cs typeface="Helvetica Neue"/>
+        <a:latin typeface="+mj-lt"/>
+        <a:ea typeface="+mj-ea"/>
+        <a:cs typeface="+mj-cs"/>
         <a:sym typeface="Helvetica Neue"/>
       </a:defRPr>
     </a:lvl3pPr>
@@ -435,9 +440,9 @@
         <a:spcPct val="117999"/>
       </a:lnSpc>
       <a:defRPr sz="2200">
-        <a:latin typeface="Helvetica Neue"/>
-        <a:ea typeface="Helvetica Neue"/>
-        <a:cs typeface="Helvetica Neue"/>
+        <a:latin typeface="+mj-lt"/>
+        <a:ea typeface="+mj-ea"/>
+        <a:cs typeface="+mj-cs"/>
         <a:sym typeface="Helvetica Neue"/>
       </a:defRPr>
     </a:lvl4pPr>
@@ -446,9 +451,9 @@
         <a:spcPct val="117999"/>
       </a:lnSpc>
       <a:defRPr sz="2200">
-        <a:latin typeface="Helvetica Neue"/>
-        <a:ea typeface="Helvetica Neue"/>
-        <a:cs typeface="Helvetica Neue"/>
+        <a:latin typeface="+mj-lt"/>
+        <a:ea typeface="+mj-ea"/>
+        <a:cs typeface="+mj-cs"/>
         <a:sym typeface="Helvetica Neue"/>
       </a:defRPr>
     </a:lvl5pPr>
@@ -457,9 +462,9 @@
         <a:spcPct val="117999"/>
       </a:lnSpc>
       <a:defRPr sz="2200">
-        <a:latin typeface="Helvetica Neue"/>
-        <a:ea typeface="Helvetica Neue"/>
-        <a:cs typeface="Helvetica Neue"/>
+        <a:latin typeface="+mj-lt"/>
+        <a:ea typeface="+mj-ea"/>
+        <a:cs typeface="+mj-cs"/>
         <a:sym typeface="Helvetica Neue"/>
       </a:defRPr>
     </a:lvl6pPr>
@@ -468,9 +473,9 @@
         <a:spcPct val="117999"/>
       </a:lnSpc>
       <a:defRPr sz="2200">
-        <a:latin typeface="Helvetica Neue"/>
-        <a:ea typeface="Helvetica Neue"/>
-        <a:cs typeface="Helvetica Neue"/>
+        <a:latin typeface="+mj-lt"/>
+        <a:ea typeface="+mj-ea"/>
+        <a:cs typeface="+mj-cs"/>
         <a:sym typeface="Helvetica Neue"/>
       </a:defRPr>
     </a:lvl7pPr>
@@ -479,9 +484,9 @@
         <a:spcPct val="117999"/>
       </a:lnSpc>
       <a:defRPr sz="2200">
-        <a:latin typeface="Helvetica Neue"/>
-        <a:ea typeface="Helvetica Neue"/>
-        <a:cs typeface="Helvetica Neue"/>
+        <a:latin typeface="+mj-lt"/>
+        <a:ea typeface="+mj-ea"/>
+        <a:cs typeface="+mj-cs"/>
         <a:sym typeface="Helvetica Neue"/>
       </a:defRPr>
     </a:lvl8pPr>
@@ -490,9 +495,9 @@
         <a:spcPct val="117999"/>
       </a:lnSpc>
       <a:defRPr sz="2200">
-        <a:latin typeface="Helvetica Neue"/>
-        <a:ea typeface="Helvetica Neue"/>
-        <a:cs typeface="Helvetica Neue"/>
+        <a:latin typeface="+mj-lt"/>
+        <a:ea typeface="+mj-ea"/>
+        <a:cs typeface="+mj-cs"/>
         <a:sym typeface="Helvetica Neue"/>
       </a:defRPr>
     </a:lvl9pPr>
@@ -688,10 +693,10 @@
       </p:grpSpPr>
       <p:sp>
         <p:nvSpPr>
-          <p:cNvPr id="93" name="–Johnny Appleseed"/>
+          <p:cNvPr id="93" name="Body Level One…"/>
           <p:cNvSpPr txBox="1"/>
           <p:nvPr>
-            <p:ph type="body" sz="quarter" idx="13"/>
+            <p:ph type="body" sz="quarter" idx="1"/>
           </p:nvPr>
         </p:nvSpPr>
         <p:spPr>
@@ -704,9 +709,7 @@
           </a:prstGeom>
         </p:spPr>
         <p:txBody>
-          <a:bodyPr anchor="t">
-            <a:spAutoFit/>
-          </a:bodyPr>
+          <a:bodyPr anchor="t"/>
           <a:lstStyle>
             <a:lvl1pPr marL="0" indent="0" algn="ctr">
               <a:spcBef>
@@ -716,11 +719,59 @@
               <a:buNone/>
               <a:defRPr i="1" sz="3200"/>
             </a:lvl1pPr>
+            <a:lvl2pPr marL="1025769" indent="-390769" algn="ctr">
+              <a:spcBef>
+                <a:spcPts val="0"/>
+              </a:spcBef>
+              <a:defRPr i="1" sz="3200"/>
+            </a:lvl2pPr>
+            <a:lvl3pPr marL="1660769" indent="-390769" algn="ctr">
+              <a:spcBef>
+                <a:spcPts val="0"/>
+              </a:spcBef>
+              <a:defRPr i="1" sz="3200"/>
+            </a:lvl3pPr>
+            <a:lvl4pPr marL="2295769" indent="-390769" algn="ctr">
+              <a:spcBef>
+                <a:spcPts val="0"/>
+              </a:spcBef>
+              <a:defRPr i="1" sz="3200"/>
+            </a:lvl4pPr>
+            <a:lvl5pPr marL="2930769" indent="-390769" algn="ctr">
+              <a:spcBef>
+                <a:spcPts val="0"/>
+              </a:spcBef>
+              <a:defRPr i="1" sz="3200"/>
+            </a:lvl5pPr>
           </a:lstStyle>
           <a:p>
             <a:pPr/>
             <a:r>
-              <a:t>–Johnny Appleseed</a:t>
+              <a:t>Body Level One</a:t>
+            </a:r>
+          </a:p>
+          <a:p>
+            <a:pPr lvl="1"/>
+            <a:r>
+              <a:t>Body Level Two</a:t>
+            </a:r>
+          </a:p>
+          <a:p>
+            <a:pPr lvl="2"/>
+            <a:r>
+              <a:t>Body Level Three</a:t>
+            </a:r>
+          </a:p>
+          <a:p>
+            <a:pPr lvl="3"/>
+            <a:r>
+              <a:t>Body Level Four</a:t>
+            </a:r>
+          </a:p>
+          <a:p>
+            <a:pPr lvl="4"/>
+            <a:r>
+              <a:t>Body Level Five</a:t>
             </a:r>
           </a:p>
         </p:txBody>
@@ -730,7 +781,7 @@
           <p:cNvPr id="94" name="“Type a quote here.”"/>
           <p:cNvSpPr txBox="1"/>
           <p:nvPr>
-            <p:ph type="body" sz="quarter" idx="14"/>
+            <p:ph type="body" sz="quarter" idx="13"/>
           </p:nvPr>
         </p:nvSpPr>
         <p:spPr>
@@ -743,29 +794,22 @@
           </a:prstGeom>
         </p:spPr>
         <p:txBody>
-          <a:bodyPr>
-            <a:spAutoFit/>
-          </a:bodyPr>
-          <a:lstStyle>
-            <a:lvl1pPr marL="0" indent="0" algn="ctr">
+          <a:bodyPr/>
+          <a:lstStyle/>
+          <a:p>
+            <a:pPr marL="0" indent="0" algn="ctr">
               <a:spcBef>
                 <a:spcPts val="0"/>
               </a:spcBef>
               <a:buSzTx/>
               <a:buNone/>
-              <a:defRPr sz="4800">
-                <a:latin typeface="+mn-lt"/>
-                <a:ea typeface="+mn-ea"/>
-                <a:cs typeface="+mn-cs"/>
+              <a:defRPr>
+                <a:latin typeface="Helvetica Neue Medium"/>
+                <a:ea typeface="Helvetica Neue Medium"/>
+                <a:cs typeface="Helvetica Neue Medium"/>
                 <a:sym typeface="Helvetica Neue Medium"/>
               </a:defRPr>
-            </a:lvl1pPr>
-          </a:lstStyle>
-          <a:p>
-            <a:pPr/>
-            <a:r>
-              <a:t>“Type a quote here.” </a:t>
-            </a:r>
+            </a:pPr>
           </a:p>
         </p:txBody>
       </p:sp>
@@ -828,7 +872,7 @@
         <p:spPr>
           <a:xfrm>
             <a:off x="0" y="0"/>
-            <a:ext cx="24384000" cy="16264467"/>
+            <a:ext cx="24384000" cy="16264468"/>
           </a:xfrm>
           <a:prstGeom prst="rect">
             <a:avLst/>
@@ -892,9 +936,67 @@
           <a:chExt cx="0" cy="0"/>
         </a:xfrm>
       </p:grpSpPr>
+      <p:pic>
+        <p:nvPicPr>
+          <p:cNvPr id="110" name="FinLab_logo.png" descr="FinLab_logo.png"/>
+          <p:cNvPicPr>
+            <a:picLocks noChangeAspect="1"/>
+          </p:cNvPicPr>
+          <p:nvPr/>
+        </p:nvPicPr>
+        <p:blipFill>
+          <a:blip r:embed="rId2">
+            <a:extLst/>
+          </a:blip>
+          <a:stretch>
+            <a:fillRect/>
+          </a:stretch>
+        </p:blipFill>
+        <p:spPr>
+          <a:xfrm>
+            <a:off x="19509618" y="12652682"/>
+            <a:ext cx="2294397" cy="801169"/>
+          </a:xfrm>
+          <a:prstGeom prst="rect">
+            <a:avLst/>
+          </a:prstGeom>
+          <a:ln w="12700">
+            <a:miter lim="400000"/>
+          </a:ln>
+        </p:spPr>
+      </p:pic>
+      <p:pic>
+        <p:nvPicPr>
+          <p:cNvPr id="111" name="UNCDF_logo.svg.png" descr="UNCDF_logo.svg.png"/>
+          <p:cNvPicPr>
+            <a:picLocks noChangeAspect="1"/>
+          </p:cNvPicPr>
+          <p:nvPr/>
+        </p:nvPicPr>
+        <p:blipFill>
+          <a:blip r:embed="rId3">
+            <a:extLst/>
+          </a:blip>
+          <a:stretch>
+            <a:fillRect/>
+          </a:stretch>
+        </p:blipFill>
+        <p:spPr>
+          <a:xfrm>
+            <a:off x="22467165" y="12700624"/>
+            <a:ext cx="648807" cy="705285"/>
+          </a:xfrm>
+          <a:prstGeom prst="rect">
+            <a:avLst/>
+          </a:prstGeom>
+          <a:ln w="12700">
+            <a:miter lim="400000"/>
+          </a:ln>
+        </p:spPr>
+      </p:pic>
       <p:sp>
         <p:nvSpPr>
-          <p:cNvPr id="110" name="Slide Number"/>
+          <p:cNvPr id="112" name="Slide Number"/>
           <p:cNvSpPr txBox="1"/>
           <p:nvPr>
             <p:ph type="sldNum" sz="quarter" idx="2"/>
@@ -951,7 +1053,7 @@
         <p:spPr>
           <a:xfrm>
             <a:off x="3124200" y="-38100"/>
-            <a:ext cx="18135600" cy="12096698"/>
+            <a:ext cx="18135600" cy="12096699"/>
           </a:xfrm>
           <a:prstGeom prst="rect">
             <a:avLst/>
@@ -1523,23 +1625,7 @@
         </p:spPr>
         <p:txBody>
           <a:bodyPr/>
-          <a:lstStyle>
-            <a:lvl1pPr>
-              <a:defRPr sz="4800"/>
-            </a:lvl1pPr>
-            <a:lvl2pPr>
-              <a:defRPr sz="4800"/>
-            </a:lvl2pPr>
-            <a:lvl3pPr>
-              <a:defRPr sz="4800"/>
-            </a:lvl3pPr>
-            <a:lvl4pPr>
-              <a:defRPr sz="4800"/>
-            </a:lvl4pPr>
-            <a:lvl5pPr>
-              <a:defRPr sz="4800"/>
-            </a:lvl5pPr>
-          </a:lstStyle>
+          <a:lstStyle/>
           <a:p>
             <a:pPr/>
             <a:r>
@@ -1821,23 +1907,7 @@
         </p:spPr>
         <p:txBody>
           <a:bodyPr/>
-          <a:lstStyle>
-            <a:lvl1pPr>
-              <a:defRPr sz="4800"/>
-            </a:lvl1pPr>
-            <a:lvl2pPr>
-              <a:defRPr sz="4800"/>
-            </a:lvl2pPr>
-            <a:lvl3pPr>
-              <a:defRPr sz="4800"/>
-            </a:lvl3pPr>
-            <a:lvl4pPr>
-              <a:defRPr sz="4800"/>
-            </a:lvl4pPr>
-            <a:lvl5pPr>
-              <a:defRPr sz="4800"/>
-            </a:lvl5pPr>
-          </a:lstStyle>
+          <a:lstStyle/>
           <a:p>
             <a:pPr/>
             <a:r>
@@ -1929,7 +1999,7 @@
         <p:spPr>
           <a:xfrm>
             <a:off x="15681340" y="7035800"/>
-            <a:ext cx="8396678" cy="5600700"/>
+            <a:ext cx="8396679" cy="5600700"/>
           </a:xfrm>
           <a:prstGeom prst="rect">
             <a:avLst/>
@@ -2165,7 +2235,7 @@
         <p:spPr>
           <a:xfrm>
             <a:off x="11959031" y="13081000"/>
-            <a:ext cx="453238" cy="461059"/>
+            <a:ext cx="453239" cy="461059"/>
           </a:xfrm>
           <a:prstGeom prst="rect">
             <a:avLst/>
@@ -2180,7 +2250,7 @@
           </a:bodyPr>
           <a:lstStyle>
             <a:lvl1pPr>
-              <a:defRPr b="0" sz="2400">
+              <a:defRPr sz="2400">
                 <a:latin typeface="Helvetica Neue Light"/>
                 <a:ea typeface="Helvetica Neue Light"/>
                 <a:cs typeface="Helvetica Neue Light"/>
@@ -2234,9 +2304,9 @@
             <a:srgbClr val="000000"/>
           </a:solidFill>
           <a:uFillTx/>
-          <a:latin typeface="+mn-lt"/>
-          <a:ea typeface="+mn-ea"/>
-          <a:cs typeface="+mn-cs"/>
+          <a:latin typeface="Helvetica Neue Medium"/>
+          <a:ea typeface="Helvetica Neue Medium"/>
+          <a:cs typeface="Helvetica Neue Medium"/>
           <a:sym typeface="Helvetica Neue Medium"/>
         </a:defRPr>
       </a:lvl1pPr>
@@ -2260,9 +2330,9 @@
             <a:srgbClr val="000000"/>
           </a:solidFill>
           <a:uFillTx/>
-          <a:latin typeface="+mn-lt"/>
-          <a:ea typeface="+mn-ea"/>
-          <a:cs typeface="+mn-cs"/>
+          <a:latin typeface="Helvetica Neue Medium"/>
+          <a:ea typeface="Helvetica Neue Medium"/>
+          <a:cs typeface="Helvetica Neue Medium"/>
           <a:sym typeface="Helvetica Neue Medium"/>
         </a:defRPr>
       </a:lvl2pPr>
@@ -2286,9 +2356,9 @@
             <a:srgbClr val="000000"/>
           </a:solidFill>
           <a:uFillTx/>
-          <a:latin typeface="+mn-lt"/>
-          <a:ea typeface="+mn-ea"/>
-          <a:cs typeface="+mn-cs"/>
+          <a:latin typeface="Helvetica Neue Medium"/>
+          <a:ea typeface="Helvetica Neue Medium"/>
+          <a:cs typeface="Helvetica Neue Medium"/>
           <a:sym typeface="Helvetica Neue Medium"/>
         </a:defRPr>
       </a:lvl3pPr>
@@ -2312,9 +2382,9 @@
             <a:srgbClr val="000000"/>
           </a:solidFill>
           <a:uFillTx/>
-          <a:latin typeface="+mn-lt"/>
-          <a:ea typeface="+mn-ea"/>
-          <a:cs typeface="+mn-cs"/>
+          <a:latin typeface="Helvetica Neue Medium"/>
+          <a:ea typeface="Helvetica Neue Medium"/>
+          <a:cs typeface="Helvetica Neue Medium"/>
           <a:sym typeface="Helvetica Neue Medium"/>
         </a:defRPr>
       </a:lvl4pPr>
@@ -2338,9 +2408,9 @@
             <a:srgbClr val="000000"/>
           </a:solidFill>
           <a:uFillTx/>
-          <a:latin typeface="+mn-lt"/>
-          <a:ea typeface="+mn-ea"/>
-          <a:cs typeface="+mn-cs"/>
+          <a:latin typeface="Helvetica Neue Medium"/>
+          <a:ea typeface="Helvetica Neue Medium"/>
+          <a:cs typeface="Helvetica Neue Medium"/>
           <a:sym typeface="Helvetica Neue Medium"/>
         </a:defRPr>
       </a:lvl5pPr>
@@ -2364,9 +2434,9 @@
             <a:srgbClr val="000000"/>
           </a:solidFill>
           <a:uFillTx/>
-          <a:latin typeface="+mn-lt"/>
-          <a:ea typeface="+mn-ea"/>
-          <a:cs typeface="+mn-cs"/>
+          <a:latin typeface="Helvetica Neue Medium"/>
+          <a:ea typeface="Helvetica Neue Medium"/>
+          <a:cs typeface="Helvetica Neue Medium"/>
           <a:sym typeface="Helvetica Neue Medium"/>
         </a:defRPr>
       </a:lvl6pPr>
@@ -2390,9 +2460,9 @@
             <a:srgbClr val="000000"/>
           </a:solidFill>
           <a:uFillTx/>
-          <a:latin typeface="+mn-lt"/>
-          <a:ea typeface="+mn-ea"/>
-          <a:cs typeface="+mn-cs"/>
+          <a:latin typeface="Helvetica Neue Medium"/>
+          <a:ea typeface="Helvetica Neue Medium"/>
+          <a:cs typeface="Helvetica Neue Medium"/>
           <a:sym typeface="Helvetica Neue Medium"/>
         </a:defRPr>
       </a:lvl7pPr>
@@ -2416,9 +2486,9 @@
             <a:srgbClr val="000000"/>
           </a:solidFill>
           <a:uFillTx/>
-          <a:latin typeface="+mn-lt"/>
-          <a:ea typeface="+mn-ea"/>
-          <a:cs typeface="+mn-cs"/>
+          <a:latin typeface="Helvetica Neue Medium"/>
+          <a:ea typeface="Helvetica Neue Medium"/>
+          <a:cs typeface="Helvetica Neue Medium"/>
           <a:sym typeface="Helvetica Neue Medium"/>
         </a:defRPr>
       </a:lvl8pPr>
@@ -2442,15 +2512,15 @@
             <a:srgbClr val="000000"/>
           </a:solidFill>
           <a:uFillTx/>
-          <a:latin typeface="+mn-lt"/>
-          <a:ea typeface="+mn-ea"/>
-          <a:cs typeface="+mn-cs"/>
+          <a:latin typeface="Helvetica Neue Medium"/>
+          <a:ea typeface="Helvetica Neue Medium"/>
+          <a:cs typeface="Helvetica Neue Medium"/>
           <a:sym typeface="Helvetica Neue Medium"/>
         </a:defRPr>
       </a:lvl9pPr>
     </p:titleStyle>
     <p:bodyStyle>
-      <a:lvl1pPr marL="635000" marR="0" indent="-635000" algn="l" defTabSz="825500" latinLnBrk="0">
+      <a:lvl1pPr marL="635000" marR="0" indent="-635000" algn="l" defTabSz="825500" rtl="0" latinLnBrk="0">
         <a:lnSpc>
           <a:spcPct val="100000"/>
         </a:lnSpc>
@@ -2465,18 +2535,18 @@
         <a:buFontTx/>
         <a:buChar char="•"/>
         <a:tabLst/>
-        <a:defRPr b="0" baseline="0" cap="none" i="0" spc="0" strike="noStrike" sz="5200" u="none">
+        <a:defRPr b="0" baseline="0" cap="none" i="0" spc="0" strike="noStrike" sz="4800" u="none">
           <a:solidFill>
             <a:srgbClr val="000000"/>
           </a:solidFill>
           <a:uFillTx/>
-          <a:latin typeface="Helvetica Neue"/>
-          <a:ea typeface="Helvetica Neue"/>
-          <a:cs typeface="Helvetica Neue"/>
+          <a:latin typeface="+mj-lt"/>
+          <a:ea typeface="+mj-ea"/>
+          <a:cs typeface="+mj-cs"/>
           <a:sym typeface="Helvetica Neue"/>
         </a:defRPr>
       </a:lvl1pPr>
-      <a:lvl2pPr marL="1270000" marR="0" indent="-635000" algn="l" defTabSz="825500" latinLnBrk="0">
+      <a:lvl2pPr marL="1270000" marR="0" indent="-635000" algn="l" defTabSz="825500" rtl="0" latinLnBrk="0">
         <a:lnSpc>
           <a:spcPct val="100000"/>
         </a:lnSpc>
@@ -2491,18 +2561,18 @@
         <a:buFontTx/>
         <a:buChar char="•"/>
         <a:tabLst/>
-        <a:defRPr b="0" baseline="0" cap="none" i="0" spc="0" strike="noStrike" sz="5200" u="none">
+        <a:defRPr b="0" baseline="0" cap="none" i="0" spc="0" strike="noStrike" sz="4800" u="none">
           <a:solidFill>
             <a:srgbClr val="000000"/>
           </a:solidFill>
           <a:uFillTx/>
-          <a:latin typeface="Helvetica Neue"/>
-          <a:ea typeface="Helvetica Neue"/>
-          <a:cs typeface="Helvetica Neue"/>
+          <a:latin typeface="+mj-lt"/>
+          <a:ea typeface="+mj-ea"/>
+          <a:cs typeface="+mj-cs"/>
           <a:sym typeface="Helvetica Neue"/>
         </a:defRPr>
       </a:lvl2pPr>
-      <a:lvl3pPr marL="1905000" marR="0" indent="-635000" algn="l" defTabSz="825500" latinLnBrk="0">
+      <a:lvl3pPr marL="1905000" marR="0" indent="-635000" algn="l" defTabSz="825500" rtl="0" latinLnBrk="0">
         <a:lnSpc>
           <a:spcPct val="100000"/>
         </a:lnSpc>
@@ -2517,18 +2587,18 @@
         <a:buFontTx/>
         <a:buChar char="•"/>
         <a:tabLst/>
-        <a:defRPr b="0" baseline="0" cap="none" i="0" spc="0" strike="noStrike" sz="5200" u="none">
+        <a:defRPr b="0" baseline="0" cap="none" i="0" spc="0" strike="noStrike" sz="4800" u="none">
           <a:solidFill>
             <a:srgbClr val="000000"/>
           </a:solidFill>
           <a:uFillTx/>
-          <a:latin typeface="Helvetica Neue"/>
-          <a:ea typeface="Helvetica Neue"/>
-          <a:cs typeface="Helvetica Neue"/>
+          <a:latin typeface="+mj-lt"/>
+          <a:ea typeface="+mj-ea"/>
+          <a:cs typeface="+mj-cs"/>
           <a:sym typeface="Helvetica Neue"/>
         </a:defRPr>
       </a:lvl3pPr>
-      <a:lvl4pPr marL="2540000" marR="0" indent="-635000" algn="l" defTabSz="825500" latinLnBrk="0">
+      <a:lvl4pPr marL="2540000" marR="0" indent="-635000" algn="l" defTabSz="825500" rtl="0" latinLnBrk="0">
         <a:lnSpc>
           <a:spcPct val="100000"/>
         </a:lnSpc>
@@ -2543,18 +2613,18 @@
         <a:buFontTx/>
         <a:buChar char="•"/>
         <a:tabLst/>
-        <a:defRPr b="0" baseline="0" cap="none" i="0" spc="0" strike="noStrike" sz="5200" u="none">
+        <a:defRPr b="0" baseline="0" cap="none" i="0" spc="0" strike="noStrike" sz="4800" u="none">
           <a:solidFill>
             <a:srgbClr val="000000"/>
           </a:solidFill>
           <a:uFillTx/>
-          <a:latin typeface="Helvetica Neue"/>
-          <a:ea typeface="Helvetica Neue"/>
-          <a:cs typeface="Helvetica Neue"/>
+          <a:latin typeface="+mj-lt"/>
+          <a:ea typeface="+mj-ea"/>
+          <a:cs typeface="+mj-cs"/>
           <a:sym typeface="Helvetica Neue"/>
         </a:defRPr>
       </a:lvl4pPr>
-      <a:lvl5pPr marL="3175000" marR="0" indent="-635000" algn="l" defTabSz="825500" latinLnBrk="0">
+      <a:lvl5pPr marL="3175000" marR="0" indent="-635000" algn="l" defTabSz="825500" rtl="0" latinLnBrk="0">
         <a:lnSpc>
           <a:spcPct val="100000"/>
         </a:lnSpc>
@@ -2569,18 +2639,18 @@
         <a:buFontTx/>
         <a:buChar char="•"/>
         <a:tabLst/>
-        <a:defRPr b="0" baseline="0" cap="none" i="0" spc="0" strike="noStrike" sz="5200" u="none">
+        <a:defRPr b="0" baseline="0" cap="none" i="0" spc="0" strike="noStrike" sz="4800" u="none">
           <a:solidFill>
             <a:srgbClr val="000000"/>
           </a:solidFill>
           <a:uFillTx/>
-          <a:latin typeface="Helvetica Neue"/>
-          <a:ea typeface="Helvetica Neue"/>
-          <a:cs typeface="Helvetica Neue"/>
+          <a:latin typeface="+mj-lt"/>
+          <a:ea typeface="+mj-ea"/>
+          <a:cs typeface="+mj-cs"/>
           <a:sym typeface="Helvetica Neue"/>
         </a:defRPr>
       </a:lvl5pPr>
-      <a:lvl6pPr marL="3810000" marR="0" indent="-635000" algn="l" defTabSz="825500" latinLnBrk="0">
+      <a:lvl6pPr marL="3761153" marR="0" indent="-586153" algn="l" defTabSz="825500" rtl="0" latinLnBrk="0">
         <a:lnSpc>
           <a:spcPct val="100000"/>
         </a:lnSpc>
@@ -2595,18 +2665,18 @@
         <a:buFontTx/>
         <a:buChar char="•"/>
         <a:tabLst/>
-        <a:defRPr b="0" baseline="0" cap="none" i="0" spc="0" strike="noStrike" sz="5200" u="none">
+        <a:defRPr b="0" baseline="0" cap="none" i="0" spc="0" strike="noStrike" sz="4800" u="none">
           <a:solidFill>
             <a:srgbClr val="000000"/>
           </a:solidFill>
           <a:uFillTx/>
-          <a:latin typeface="Helvetica Neue"/>
-          <a:ea typeface="Helvetica Neue"/>
-          <a:cs typeface="Helvetica Neue"/>
+          <a:latin typeface="+mj-lt"/>
+          <a:ea typeface="+mj-ea"/>
+          <a:cs typeface="+mj-cs"/>
           <a:sym typeface="Helvetica Neue"/>
         </a:defRPr>
       </a:lvl6pPr>
-      <a:lvl7pPr marL="4445000" marR="0" indent="-635000" algn="l" defTabSz="825500" latinLnBrk="0">
+      <a:lvl7pPr marL="4396153" marR="0" indent="-586153" algn="l" defTabSz="825500" rtl="0" latinLnBrk="0">
         <a:lnSpc>
           <a:spcPct val="100000"/>
         </a:lnSpc>
@@ -2621,18 +2691,18 @@
         <a:buFontTx/>
         <a:buChar char="•"/>
         <a:tabLst/>
-        <a:defRPr b="0" baseline="0" cap="none" i="0" spc="0" strike="noStrike" sz="5200" u="none">
+        <a:defRPr b="0" baseline="0" cap="none" i="0" spc="0" strike="noStrike" sz="4800" u="none">
           <a:solidFill>
             <a:srgbClr val="000000"/>
           </a:solidFill>
           <a:uFillTx/>
-          <a:latin typeface="Helvetica Neue"/>
-          <a:ea typeface="Helvetica Neue"/>
-          <a:cs typeface="Helvetica Neue"/>
+          <a:latin typeface="+mj-lt"/>
+          <a:ea typeface="+mj-ea"/>
+          <a:cs typeface="+mj-cs"/>
           <a:sym typeface="Helvetica Neue"/>
         </a:defRPr>
       </a:lvl7pPr>
-      <a:lvl8pPr marL="5080000" marR="0" indent="-635000" algn="l" defTabSz="825500" latinLnBrk="0">
+      <a:lvl8pPr marL="5031153" marR="0" indent="-586153" algn="l" defTabSz="825500" rtl="0" latinLnBrk="0">
         <a:lnSpc>
           <a:spcPct val="100000"/>
         </a:lnSpc>
@@ -2647,18 +2717,18 @@
         <a:buFontTx/>
         <a:buChar char="•"/>
         <a:tabLst/>
-        <a:defRPr b="0" baseline="0" cap="none" i="0" spc="0" strike="noStrike" sz="5200" u="none">
+        <a:defRPr b="0" baseline="0" cap="none" i="0" spc="0" strike="noStrike" sz="4800" u="none">
           <a:solidFill>
             <a:srgbClr val="000000"/>
           </a:solidFill>
           <a:uFillTx/>
-          <a:latin typeface="Helvetica Neue"/>
-          <a:ea typeface="Helvetica Neue"/>
-          <a:cs typeface="Helvetica Neue"/>
+          <a:latin typeface="+mj-lt"/>
+          <a:ea typeface="+mj-ea"/>
+          <a:cs typeface="+mj-cs"/>
           <a:sym typeface="Helvetica Neue"/>
         </a:defRPr>
       </a:lvl8pPr>
-      <a:lvl9pPr marL="5715000" marR="0" indent="-635000" algn="l" defTabSz="825500" latinLnBrk="0">
+      <a:lvl9pPr marL="5666153" marR="0" indent="-586153" algn="l" defTabSz="825500" rtl="0" latinLnBrk="0">
         <a:lnSpc>
           <a:spcPct val="100000"/>
         </a:lnSpc>
@@ -2673,20 +2743,20 @@
         <a:buFontTx/>
         <a:buChar char="•"/>
         <a:tabLst/>
-        <a:defRPr b="0" baseline="0" cap="none" i="0" spc="0" strike="noStrike" sz="5200" u="none">
+        <a:defRPr b="0" baseline="0" cap="none" i="0" spc="0" strike="noStrike" sz="4800" u="none">
           <a:solidFill>
             <a:srgbClr val="000000"/>
           </a:solidFill>
           <a:uFillTx/>
-          <a:latin typeface="Helvetica Neue"/>
-          <a:ea typeface="Helvetica Neue"/>
-          <a:cs typeface="Helvetica Neue"/>
+          <a:latin typeface="+mj-lt"/>
+          <a:ea typeface="+mj-ea"/>
+          <a:cs typeface="+mj-cs"/>
           <a:sym typeface="Helvetica Neue"/>
         </a:defRPr>
       </a:lvl9pPr>
     </p:bodyStyle>
     <p:otherStyle>
-      <a:lvl1pPr marL="0" marR="0" indent="0" algn="ctr" defTabSz="825500" latinLnBrk="0">
+      <a:lvl1pPr marL="0" marR="0" indent="0" algn="ctr" defTabSz="825500" rtl="0" latinLnBrk="0">
         <a:lnSpc>
           <a:spcPct val="100000"/>
         </a:lnSpc>
@@ -2712,7 +2782,7 @@
           <a:sym typeface="Helvetica Neue Light"/>
         </a:defRPr>
       </a:lvl1pPr>
-      <a:lvl2pPr marL="0" marR="0" indent="228600" algn="ctr" defTabSz="825500" latinLnBrk="0">
+      <a:lvl2pPr marL="0" marR="0" indent="0" algn="ctr" defTabSz="825500" rtl="0" latinLnBrk="0">
         <a:lnSpc>
           <a:spcPct val="100000"/>
         </a:lnSpc>
@@ -2738,7 +2808,7 @@
           <a:sym typeface="Helvetica Neue Light"/>
         </a:defRPr>
       </a:lvl2pPr>
-      <a:lvl3pPr marL="0" marR="0" indent="457200" algn="ctr" defTabSz="825500" latinLnBrk="0">
+      <a:lvl3pPr marL="0" marR="0" indent="0" algn="ctr" defTabSz="825500" rtl="0" latinLnBrk="0">
         <a:lnSpc>
           <a:spcPct val="100000"/>
         </a:lnSpc>
@@ -2764,7 +2834,7 @@
           <a:sym typeface="Helvetica Neue Light"/>
         </a:defRPr>
       </a:lvl3pPr>
-      <a:lvl4pPr marL="0" marR="0" indent="685800" algn="ctr" defTabSz="825500" latinLnBrk="0">
+      <a:lvl4pPr marL="0" marR="0" indent="0" algn="ctr" defTabSz="825500" rtl="0" latinLnBrk="0">
         <a:lnSpc>
           <a:spcPct val="100000"/>
         </a:lnSpc>
@@ -2790,7 +2860,7 @@
           <a:sym typeface="Helvetica Neue Light"/>
         </a:defRPr>
       </a:lvl4pPr>
-      <a:lvl5pPr marL="0" marR="0" indent="914400" algn="ctr" defTabSz="825500" latinLnBrk="0">
+      <a:lvl5pPr marL="0" marR="0" indent="0" algn="ctr" defTabSz="825500" rtl="0" latinLnBrk="0">
         <a:lnSpc>
           <a:spcPct val="100000"/>
         </a:lnSpc>
@@ -2816,7 +2886,7 @@
           <a:sym typeface="Helvetica Neue Light"/>
         </a:defRPr>
       </a:lvl5pPr>
-      <a:lvl6pPr marL="0" marR="0" indent="1143000" algn="ctr" defTabSz="825500" latinLnBrk="0">
+      <a:lvl6pPr marL="0" marR="0" indent="0" algn="ctr" defTabSz="825500" rtl="0" latinLnBrk="0">
         <a:lnSpc>
           <a:spcPct val="100000"/>
         </a:lnSpc>
@@ -2842,7 +2912,7 @@
           <a:sym typeface="Helvetica Neue Light"/>
         </a:defRPr>
       </a:lvl6pPr>
-      <a:lvl7pPr marL="0" marR="0" indent="1371600" algn="ctr" defTabSz="825500" latinLnBrk="0">
+      <a:lvl7pPr marL="0" marR="0" indent="0" algn="ctr" defTabSz="825500" rtl="0" latinLnBrk="0">
         <a:lnSpc>
           <a:spcPct val="100000"/>
         </a:lnSpc>
@@ -2868,7 +2938,7 @@
           <a:sym typeface="Helvetica Neue Light"/>
         </a:defRPr>
       </a:lvl7pPr>
-      <a:lvl8pPr marL="0" marR="0" indent="1600200" algn="ctr" defTabSz="825500" latinLnBrk="0">
+      <a:lvl8pPr marL="0" marR="0" indent="0" algn="ctr" defTabSz="825500" rtl="0" latinLnBrk="0">
         <a:lnSpc>
           <a:spcPct val="100000"/>
         </a:lnSpc>
@@ -2894,7 +2964,7 @@
           <a:sym typeface="Helvetica Neue Light"/>
         </a:defRPr>
       </a:lvl8pPr>
-      <a:lvl9pPr marL="0" marR="0" indent="1828800" algn="ctr" defTabSz="825500" latinLnBrk="0">
+      <a:lvl9pPr marL="0" marR="0" indent="0" algn="ctr" defTabSz="825500" rtl="0" latinLnBrk="0">
         <a:lnSpc>
           <a:spcPct val="100000"/>
         </a:lnSpc>
@@ -2944,14 +3014,14 @@
       </p:grpSpPr>
       <p:sp>
         <p:nvSpPr>
-          <p:cNvPr id="119" name="MICHAEL SEIBEL, CEO, YCOMBINATOR…"/>
+          <p:cNvPr id="121" name="MICHAEL SEIBEL, CEO, YCOMBINATOR…"/>
           <p:cNvSpPr txBox="1"/>
           <p:nvPr/>
         </p:nvSpPr>
         <p:spPr>
           <a:xfrm>
-            <a:off x="2086481" y="1170203"/>
-            <a:ext cx="19835882" cy="1764739"/>
+            <a:off x="2086480" y="1170202"/>
+            <a:ext cx="19835884" cy="1764740"/>
           </a:xfrm>
           <a:prstGeom prst="rect">
             <a:avLst/>
@@ -2972,7 +3042,12 @@
           <a:lstStyle/>
           <a:p>
             <a:pPr algn="l">
-              <a:defRPr sz="3600"/>
+              <a:defRPr b="1" sz="3600">
+                <a:latin typeface="+mj-lt"/>
+                <a:ea typeface="+mj-ea"/>
+                <a:cs typeface="+mj-cs"/>
+                <a:sym typeface="Helvetica Neue"/>
+              </a:defRPr>
             </a:pPr>
             <a:r>
               <a:t>MICHAEL SEIBEL, CEO, YCOMBINATOR</a:t>
@@ -2980,12 +3055,22 @@
           </a:p>
           <a:p>
             <a:pPr algn="l">
-              <a:defRPr sz="3600"/>
-            </a:pPr>
-          </a:p>
-          <a:p>
-            <a:pPr algn="l">
-              <a:defRPr sz="3600"/>
+              <a:defRPr b="1" sz="3600">
+                <a:latin typeface="+mj-lt"/>
+                <a:ea typeface="+mj-ea"/>
+                <a:cs typeface="+mj-cs"/>
+                <a:sym typeface="Helvetica Neue"/>
+              </a:defRPr>
+            </a:pPr>
+          </a:p>
+          <a:p>
+            <a:pPr algn="l">
+              <a:defRPr b="1" sz="3600">
+                <a:latin typeface="+mj-lt"/>
+                <a:ea typeface="+mj-ea"/>
+                <a:cs typeface="+mj-cs"/>
+                <a:sym typeface="Helvetica Neue"/>
+              </a:defRPr>
             </a:pPr>
             <a:r>
               <a:t>How to pitch your company? </a:t>
@@ -3021,54 +3106,14 @@
       </p:grpSpPr>
       <p:sp>
         <p:nvSpPr>
-          <p:cNvPr id="141" name="For the UNCDF video recording, try focusing on…"/>
+          <p:cNvPr id="143" name="MICHAEL SEIBEL, CEO, YCOMBINATOR…"/>
           <p:cNvSpPr txBox="1"/>
           <p:nvPr/>
         </p:nvSpPr>
         <p:spPr>
           <a:xfrm>
-            <a:off x="2086481" y="1170203"/>
-            <a:ext cx="19835882" cy="647139"/>
-          </a:xfrm>
-          <a:prstGeom prst="rect">
-            <a:avLst/>
-          </a:prstGeom>
-          <a:ln w="12700">
-            <a:miter lim="400000"/>
-          </a:ln>
-          <a:extLst>
-            <a:ext uri="{C572A759-6A51-4108-AA02-DFA0A04FC94B}">
-              <ma14:wrappingTextBoxFlag xmlns:ma14="http://schemas.microsoft.com/office/mac/drawingml/2011/main" val="1"/>
-            </a:ext>
-          </a:extLst>
-        </p:spPr>
-        <p:txBody>
-          <a:bodyPr lIns="50800" tIns="50800" rIns="50800" bIns="50800">
-            <a:spAutoFit/>
-          </a:bodyPr>
-          <a:lstStyle>
-            <a:lvl1pPr algn="l">
-              <a:defRPr sz="3600"/>
-            </a:lvl1pPr>
-          </a:lstStyle>
-          <a:p>
-            <a:pPr/>
-            <a:r>
-              <a:t>For the UNCDF video recording, try focusing on…</a:t>
-            </a:r>
-          </a:p>
-        </p:txBody>
-      </p:sp>
-      <p:sp>
-        <p:nvSpPr>
-          <p:cNvPr id="142" name="1 What do you do?…"/>
-          <p:cNvSpPr txBox="1"/>
-          <p:nvPr/>
-        </p:nvSpPr>
-        <p:spPr>
-          <a:xfrm>
-            <a:off x="2086481" y="2689833"/>
-            <a:ext cx="19835882" cy="9270439"/>
+            <a:off x="2274058" y="5688583"/>
+            <a:ext cx="19835884" cy="2338833"/>
           </a:xfrm>
           <a:prstGeom prst="rect">
             <a:avLst/>
@@ -3089,166 +3134,928 @@
           <a:lstStyle/>
           <a:p>
             <a:pPr algn="l">
-              <a:defRPr sz="3600">
-                <a:solidFill>
-                  <a:schemeClr val="accent5">
-                    <a:hueOff val="-82419"/>
-                    <a:satOff val="-9513"/>
-                    <a:lumOff val="-16343"/>
-                  </a:schemeClr>
-                </a:solidFill>
-              </a:defRPr>
-            </a:pPr>
-            <a:r>
-              <a:t>1 What do you do? </a:t>
-            </a:r>
-          </a:p>
-          <a:p>
-            <a:pPr algn="l">
-              <a:defRPr b="0">
-                <a:solidFill>
-                  <a:schemeClr val="accent5">
-                    <a:hueOff val="-82419"/>
-                    <a:satOff val="-9513"/>
-                    <a:lumOff val="-16343"/>
-                  </a:schemeClr>
-                </a:solidFill>
-              </a:defRPr>
-            </a:pPr>
-            <a:r>
-              <a:t>Your goal when answering this question should not be to have me understand your whole business but rather make me interested enough to ask follow-up questions.</a:t>
-            </a:r>
-          </a:p>
-          <a:p>
-            <a:pPr algn="l"/>
-          </a:p>
-          <a:p>
-            <a:pPr algn="l">
-              <a:defRPr sz="3600">
-                <a:solidFill>
-                  <a:srgbClr val="D5D5D5"/>
-                </a:solidFill>
-              </a:defRPr>
-            </a:pPr>
-            <a:r>
-              <a:t>2 How big is the market? </a:t>
-            </a:r>
-          </a:p>
-          <a:p>
-            <a:pPr algn="l">
-              <a:defRPr sz="3600">
-                <a:solidFill>
-                  <a:srgbClr val="D5D5D5"/>
-                </a:solidFill>
-              </a:defRPr>
-            </a:pPr>
-          </a:p>
-          <a:p>
-            <a:pPr algn="l">
-              <a:defRPr sz="3600">
-                <a:solidFill>
-                  <a:srgbClr val="D5D5D5"/>
-                </a:solidFill>
-              </a:defRPr>
-            </a:pPr>
-            <a:r>
-              <a:t>3 What’s your progress? </a:t>
-            </a:r>
-          </a:p>
-          <a:p>
-            <a:pPr algn="l">
-              <a:defRPr sz="3600"/>
-            </a:pPr>
-          </a:p>
-          <a:p>
-            <a:pPr algn="l">
-              <a:defRPr sz="3600">
-                <a:solidFill>
-                  <a:schemeClr val="accent5">
-                    <a:hueOff val="-82419"/>
-                    <a:satOff val="-9513"/>
-                    <a:lumOff val="-16343"/>
-                  </a:schemeClr>
-                </a:solidFill>
-              </a:defRPr>
-            </a:pPr>
-            <a:r>
-              <a:t>4 What’s your unique insight? </a:t>
-            </a:r>
-          </a:p>
-          <a:p>
-            <a:pPr algn="l">
-              <a:defRPr b="0">
-                <a:solidFill>
-                  <a:schemeClr val="accent5">
-                    <a:hueOff val="-82419"/>
-                    <a:satOff val="-9513"/>
-                    <a:lumOff val="-16343"/>
-                  </a:schemeClr>
-                </a:solidFill>
-              </a:defRPr>
-            </a:pPr>
-            <a:r>
-              <a:t>What I really want to understand is what you know about the problem that everyone else doesn’t. This is usually derived from multiple conversations with customers, deep analysis of current products in the space, and often personal experience.</a:t>
-            </a:r>
-          </a:p>
-          <a:p>
-            <a:pPr algn="l">
-              <a:defRPr b="0"/>
-            </a:pPr>
-          </a:p>
-          <a:p>
-            <a:pPr algn="l">
-              <a:defRPr sz="3600">
-                <a:solidFill>
-                  <a:srgbClr val="D5D5D5"/>
-                </a:solidFill>
-              </a:defRPr>
-            </a:pPr>
-            <a:r>
-              <a:t>5 What’s your business model? </a:t>
-            </a:r>
+              <a:defRPr b="1" sz="5000">
+                <a:latin typeface="+mj-lt"/>
+                <a:ea typeface="+mj-ea"/>
+                <a:cs typeface="+mj-cs"/>
+                <a:sym typeface="Helvetica Neue"/>
+              </a:defRPr>
+            </a:pPr>
+            <a:r>
+              <a:t>One key aspect of any pitch prep is to tell a story.</a:t>
+            </a:r>
+          </a:p>
+          <a:p>
+            <a:pPr algn="l">
+              <a:defRPr b="1" sz="3600">
+                <a:latin typeface="+mj-lt"/>
+                <a:ea typeface="+mj-ea"/>
+                <a:cs typeface="+mj-cs"/>
+                <a:sym typeface="Helvetica Neue"/>
+              </a:defRPr>
+            </a:pPr>
           </a:p>
           <a:p>
             <a:pPr algn="l">
               <a:defRPr>
-                <a:solidFill>
-                  <a:srgbClr val="D5D5D5"/>
-                </a:solidFill>
-              </a:defRPr>
-            </a:pPr>
-          </a:p>
-          <a:p>
-            <a:pPr algn="l">
-              <a:defRPr sz="3600">
-                <a:solidFill>
-                  <a:srgbClr val="D5D5D5"/>
-                </a:solidFill>
-              </a:defRPr>
-            </a:pPr>
-            <a:r>
-              <a:t>6 Who is on your team? </a:t>
-            </a:r>
-          </a:p>
-          <a:p>
-            <a:pPr algn="l">
-              <a:defRPr>
-                <a:solidFill>
-                  <a:srgbClr val="D5D5D5"/>
-                </a:solidFill>
-              </a:defRPr>
-            </a:pPr>
-          </a:p>
-          <a:p>
-            <a:pPr algn="l">
-              <a:defRPr sz="3600">
-                <a:solidFill>
-                  <a:srgbClr val="D5D5D5"/>
-                </a:solidFill>
-              </a:defRPr>
-            </a:pPr>
-            <a:r>
-              <a:t>7 What do you want? </a:t>
+                <a:latin typeface="+mj-lt"/>
+                <a:ea typeface="+mj-ea"/>
+                <a:cs typeface="+mj-cs"/>
+                <a:sym typeface="Helvetica Neue"/>
+              </a:defRPr>
+            </a:pPr>
+            <a:r>
+              <a:t>Everyone loves a good story. And that’s not just my opinion — researchers have shown that our brains are hardwired to enjoy and remember stories. So how do you tell a good story? </a:t>
+            </a:r>
+          </a:p>
+        </p:txBody>
+      </p:sp>
+    </p:spTree>
+  </p:cSld>
+  <p:clrMapOvr>
+    <a:masterClrMapping/>
+  </p:clrMapOvr>
+  <p:transition xmlns:p14="http://schemas.microsoft.com/office/powerpoint/2010/main" spd="med" advClick="1"/>
+</p:sld>
+</file>
+
+<file path=ppt/slides/slide11.xml><?xml version="1.0" encoding="utf-8"?>
+<p:sld xmlns:a="http://schemas.openxmlformats.org/drawingml/2006/main" xmlns:r="http://schemas.openxmlformats.org/officeDocument/2006/relationships" xmlns:p="http://schemas.openxmlformats.org/presentationml/2006/main" xmlns:m="http://schemas.openxmlformats.org/officeDocument/2006/math" xmlns:a14="http://schemas.microsoft.com/office/drawing/2010/main" showMasterSp="1" showMasterPhAnim="1">
+  <p:cSld>
+    <p:spTree>
+      <p:nvGrpSpPr>
+        <p:cNvPr id="1" name=""/>
+        <p:cNvGrpSpPr/>
+        <p:nvPr/>
+      </p:nvGrpSpPr>
+      <p:grpSpPr>
+        <a:xfrm>
+          <a:off x="0" y="0"/>
+          <a:ext cx="0" cy="0"/>
+          <a:chOff x="0" y="0"/>
+          <a:chExt cx="0" cy="0"/>
+        </a:xfrm>
+      </p:grpSpPr>
+      <p:sp>
+        <p:nvSpPr>
+          <p:cNvPr id="145" name="MICHAEL SEIBEL, CEO, YCOMBINATOR…"/>
+          <p:cNvSpPr txBox="1"/>
+          <p:nvPr/>
+        </p:nvSpPr>
+        <p:spPr>
+          <a:xfrm>
+            <a:off x="2274058" y="3988080"/>
+            <a:ext cx="19835884" cy="5777939"/>
+          </a:xfrm>
+          <a:prstGeom prst="rect">
+            <a:avLst/>
+          </a:prstGeom>
+          <a:ln w="12700">
+            <a:miter lim="400000"/>
+          </a:ln>
+          <a:extLst>
+            <a:ext uri="{C572A759-6A51-4108-AA02-DFA0A04FC94B}">
+              <ma14:wrappingTextBoxFlag xmlns:ma14="http://schemas.microsoft.com/office/mac/drawingml/2011/main" val="1"/>
+            </a:ext>
+          </a:extLst>
+        </p:spPr>
+        <p:txBody>
+          <a:bodyPr lIns="50800" tIns="50800" rIns="50800" bIns="50800">
+            <a:spAutoFit/>
+          </a:bodyPr>
+          <a:lstStyle/>
+          <a:p>
+            <a:pPr algn="l">
+              <a:defRPr b="1" sz="5000">
+                <a:latin typeface="+mj-lt"/>
+                <a:ea typeface="+mj-ea"/>
+                <a:cs typeface="+mj-cs"/>
+                <a:sym typeface="Helvetica Neue"/>
+              </a:defRPr>
+            </a:pPr>
+            <a:r>
+              <a:t>Every story has 3 parts: </a:t>
+            </a:r>
+          </a:p>
+          <a:p>
+            <a:pPr algn="l">
+              <a:defRPr b="1" sz="3600">
+                <a:latin typeface="+mj-lt"/>
+                <a:ea typeface="+mj-ea"/>
+                <a:cs typeface="+mj-cs"/>
+                <a:sym typeface="Helvetica Neue"/>
+              </a:defRPr>
+            </a:pPr>
+          </a:p>
+          <a:p>
+            <a:pPr marL="360947" indent="-360947" algn="l">
+              <a:buSzPct val="100000"/>
+              <a:buChar char="•"/>
+              <a:defRPr b="1">
+                <a:latin typeface="+mj-lt"/>
+                <a:ea typeface="+mj-ea"/>
+                <a:cs typeface="+mj-cs"/>
+                <a:sym typeface="Helvetica Neue"/>
+              </a:defRPr>
+            </a:pPr>
+            <a:r>
+              <a:t>The Setup</a:t>
+            </a:r>
+          </a:p>
+          <a:p>
+            <a:pPr marL="360947" indent="-360947" algn="l">
+              <a:buSzPct val="100000"/>
+              <a:buChar char="•"/>
+              <a:defRPr b="1">
+                <a:latin typeface="+mj-lt"/>
+                <a:ea typeface="+mj-ea"/>
+                <a:cs typeface="+mj-cs"/>
+                <a:sym typeface="Helvetica Neue"/>
+              </a:defRPr>
+            </a:pPr>
+            <a:r>
+              <a:t>The Struggle</a:t>
+            </a:r>
+          </a:p>
+          <a:p>
+            <a:pPr marL="360947" indent="-360947" algn="l">
+              <a:buSzPct val="100000"/>
+              <a:buChar char="•"/>
+              <a:defRPr b="1">
+                <a:latin typeface="+mj-lt"/>
+                <a:ea typeface="+mj-ea"/>
+                <a:cs typeface="+mj-cs"/>
+                <a:sym typeface="Helvetica Neue"/>
+              </a:defRPr>
+            </a:pPr>
+            <a:r>
+              <a:t>The Solution</a:t>
+            </a:r>
+          </a:p>
+          <a:p>
+            <a:pPr algn="l">
+              <a:defRPr b="1">
+                <a:latin typeface="+mj-lt"/>
+                <a:ea typeface="+mj-ea"/>
+                <a:cs typeface="+mj-cs"/>
+                <a:sym typeface="Helvetica Neue"/>
+              </a:defRPr>
+            </a:pPr>
+            <a:endParaRPr b="0"/>
+          </a:p>
+          <a:p>
+            <a:pPr algn="l">
+              <a:defRPr b="1">
+                <a:latin typeface="+mj-lt"/>
+                <a:ea typeface="+mj-ea"/>
+                <a:cs typeface="+mj-cs"/>
+                <a:sym typeface="Helvetica Neue"/>
+              </a:defRPr>
+            </a:pPr>
+            <a:r>
+              <a:rPr b="0"/>
+              <a:t>The setup provides the listener with context that sets the scene. The struggle describes the conflict and confrontation among the characters. And the solution is the idea, strategy or product that helps the characters overcome the struggle.</a:t>
+            </a:r>
+            <a:endParaRPr b="0"/>
+          </a:p>
+          <a:p>
+            <a:pPr algn="l">
+              <a:defRPr b="1" sz="3600">
+                <a:latin typeface="+mj-lt"/>
+                <a:ea typeface="+mj-ea"/>
+                <a:cs typeface="+mj-cs"/>
+                <a:sym typeface="Helvetica Neue"/>
+              </a:defRPr>
+            </a:pPr>
+          </a:p>
+        </p:txBody>
+      </p:sp>
+    </p:spTree>
+  </p:cSld>
+  <p:clrMapOvr>
+    <a:masterClrMapping/>
+  </p:clrMapOvr>
+  <p:transition xmlns:p14="http://schemas.microsoft.com/office/powerpoint/2010/main" spd="med" advClick="1"/>
+</p:sld>
+</file>
+
+<file path=ppt/slides/slide12.xml><?xml version="1.0" encoding="utf-8"?>
+<p:sld xmlns:a="http://schemas.openxmlformats.org/drawingml/2006/main" xmlns:r="http://schemas.openxmlformats.org/officeDocument/2006/relationships" xmlns:p="http://schemas.openxmlformats.org/presentationml/2006/main" xmlns:m="http://schemas.openxmlformats.org/officeDocument/2006/math" xmlns:a14="http://schemas.microsoft.com/office/drawing/2010/main" showMasterSp="1" showMasterPhAnim="1">
+  <p:cSld>
+    <p:spTree>
+      <p:nvGrpSpPr>
+        <p:cNvPr id="1" name=""/>
+        <p:cNvGrpSpPr/>
+        <p:nvPr/>
+      </p:nvGrpSpPr>
+      <p:grpSpPr>
+        <a:xfrm>
+          <a:off x="0" y="0"/>
+          <a:ext cx="0" cy="0"/>
+          <a:chOff x="0" y="0"/>
+          <a:chExt cx="0" cy="0"/>
+        </a:xfrm>
+      </p:grpSpPr>
+      <p:sp>
+        <p:nvSpPr>
+          <p:cNvPr id="147" name="MICHAEL SEIBEL, CEO, YCOMBINATOR…"/>
+          <p:cNvSpPr txBox="1"/>
+          <p:nvPr/>
+        </p:nvSpPr>
+        <p:spPr>
+          <a:xfrm>
+            <a:off x="2086480" y="4343450"/>
+            <a:ext cx="19835884" cy="4078733"/>
+          </a:xfrm>
+          <a:prstGeom prst="rect">
+            <a:avLst/>
+          </a:prstGeom>
+          <a:ln w="12700">
+            <a:miter lim="400000"/>
+          </a:ln>
+          <a:extLst>
+            <a:ext uri="{C572A759-6A51-4108-AA02-DFA0A04FC94B}">
+              <ma14:wrappingTextBoxFlag xmlns:ma14="http://schemas.microsoft.com/office/mac/drawingml/2011/main" val="1"/>
+            </a:ext>
+          </a:extLst>
+        </p:spPr>
+        <p:txBody>
+          <a:bodyPr lIns="50800" tIns="50800" rIns="50800" bIns="50800">
+            <a:spAutoFit/>
+          </a:bodyPr>
+          <a:lstStyle/>
+          <a:p>
+            <a:pPr algn="l">
+              <a:defRPr b="1" sz="5000">
+                <a:latin typeface="+mj-lt"/>
+                <a:ea typeface="+mj-ea"/>
+                <a:cs typeface="+mj-cs"/>
+                <a:sym typeface="Helvetica Neue"/>
+              </a:defRPr>
+            </a:pPr>
+            <a:r>
+              <a:t>Which story should you tell?</a:t>
+            </a:r>
+          </a:p>
+          <a:p>
+            <a:pPr algn="l">
+              <a:defRPr b="1">
+                <a:latin typeface="+mj-lt"/>
+                <a:ea typeface="+mj-ea"/>
+                <a:cs typeface="+mj-cs"/>
+                <a:sym typeface="Helvetica Neue"/>
+              </a:defRPr>
+            </a:pPr>
+          </a:p>
+          <a:p>
+            <a:pPr algn="l">
+              <a:defRPr b="1">
+                <a:latin typeface="+mj-lt"/>
+                <a:ea typeface="+mj-ea"/>
+                <a:cs typeface="+mj-cs"/>
+                <a:sym typeface="Helvetica Neue"/>
+              </a:defRPr>
+            </a:pPr>
+            <a:r>
+              <a:rPr b="0"/>
+              <a:t>There are many types of stories you can tell investors. It might be how your company came to be, how you landed your first customer, or your ‘hockey-stick’ moment.</a:t>
+            </a:r>
+            <a:endParaRPr b="0"/>
+          </a:p>
+          <a:p>
+            <a:pPr algn="l">
+              <a:defRPr b="1">
+                <a:latin typeface="+mj-lt"/>
+                <a:ea typeface="+mj-ea"/>
+                <a:cs typeface="+mj-cs"/>
+                <a:sym typeface="Helvetica Neue"/>
+              </a:defRPr>
+            </a:pPr>
+            <a:endParaRPr b="0"/>
+          </a:p>
+          <a:p>
+            <a:pPr algn="l">
+              <a:defRPr b="1">
+                <a:latin typeface="+mj-lt"/>
+                <a:ea typeface="+mj-ea"/>
+                <a:cs typeface="+mj-cs"/>
+                <a:sym typeface="Helvetica Neue"/>
+              </a:defRPr>
+            </a:pPr>
+            <a:r>
+              <a:rPr b="0"/>
+              <a:t>The point of a story is to explain the logic and data arguments in a way that resonates emotionally with your audience. Whatever the story, the following techniques will help you tell it in a way that connects with people.</a:t>
+            </a:r>
+            <a:endParaRPr b="0"/>
+          </a:p>
+        </p:txBody>
+      </p:sp>
+    </p:spTree>
+  </p:cSld>
+  <p:clrMapOvr>
+    <a:masterClrMapping/>
+  </p:clrMapOvr>
+  <p:transition xmlns:p14="http://schemas.microsoft.com/office/powerpoint/2010/main" spd="med" advClick="1"/>
+</p:sld>
+</file>
+
+<file path=ppt/slides/slide13.xml><?xml version="1.0" encoding="utf-8"?>
+<p:sld xmlns:a="http://schemas.openxmlformats.org/drawingml/2006/main" xmlns:r="http://schemas.openxmlformats.org/officeDocument/2006/relationships" xmlns:p="http://schemas.openxmlformats.org/presentationml/2006/main" xmlns:m="http://schemas.openxmlformats.org/officeDocument/2006/math" xmlns:a14="http://schemas.microsoft.com/office/drawing/2010/main" showMasterSp="1" showMasterPhAnim="1">
+  <p:cSld>
+    <p:spTree>
+      <p:nvGrpSpPr>
+        <p:cNvPr id="1" name=""/>
+        <p:cNvGrpSpPr/>
+        <p:nvPr/>
+      </p:nvGrpSpPr>
+      <p:grpSpPr>
+        <a:xfrm>
+          <a:off x="0" y="0"/>
+          <a:ext cx="0" cy="0"/>
+          <a:chOff x="0" y="0"/>
+          <a:chExt cx="0" cy="0"/>
+        </a:xfrm>
+      </p:grpSpPr>
+      <p:sp>
+        <p:nvSpPr>
+          <p:cNvPr id="149" name="MICHAEL SEIBEL, CEO, YCOMBINATOR…"/>
+          <p:cNvSpPr txBox="1"/>
+          <p:nvPr/>
+        </p:nvSpPr>
+        <p:spPr>
+          <a:xfrm>
+            <a:off x="2086480" y="4803817"/>
+            <a:ext cx="19835884" cy="5463033"/>
+          </a:xfrm>
+          <a:prstGeom prst="rect">
+            <a:avLst/>
+          </a:prstGeom>
+          <a:ln w="12700">
+            <a:miter lim="400000"/>
+          </a:ln>
+          <a:extLst>
+            <a:ext uri="{C572A759-6A51-4108-AA02-DFA0A04FC94B}">
+              <ma14:wrappingTextBoxFlag xmlns:ma14="http://schemas.microsoft.com/office/mac/drawingml/2011/main" val="1"/>
+            </a:ext>
+          </a:extLst>
+        </p:spPr>
+        <p:txBody>
+          <a:bodyPr lIns="50800" tIns="50800" rIns="50800" bIns="50800">
+            <a:spAutoFit/>
+          </a:bodyPr>
+          <a:lstStyle/>
+          <a:p>
+            <a:pPr marL="481263" indent="-481263" algn="l">
+              <a:spcBef>
+                <a:spcPts val="3000"/>
+              </a:spcBef>
+              <a:buSzPct val="100000"/>
+              <a:buAutoNum type="arabicPeriod" startAt="1"/>
+              <a:defRPr b="1">
+                <a:latin typeface="+mj-lt"/>
+                <a:ea typeface="+mj-ea"/>
+                <a:cs typeface="+mj-cs"/>
+                <a:sym typeface="Helvetica Neue"/>
+              </a:defRPr>
+            </a:pPr>
+            <a:r>
+              <a:t>Ask your audience questions</a:t>
+            </a:r>
+            <a:br/>
+            <a:r>
+              <a:rPr b="0"/>
+              <a:t>Questions are powerful because they create a curiosity gap. For your questions to land, make sure you use the word ‘you’ in them.</a:t>
+            </a:r>
+            <a:endParaRPr b="0"/>
+          </a:p>
+          <a:p>
+            <a:pPr marL="481263" indent="-481263" algn="l">
+              <a:spcBef>
+                <a:spcPts val="3000"/>
+              </a:spcBef>
+              <a:buSzPct val="100000"/>
+              <a:buAutoNum type="arabicPeriod" startAt="1"/>
+              <a:defRPr b="1">
+                <a:latin typeface="+mj-lt"/>
+                <a:ea typeface="+mj-ea"/>
+                <a:cs typeface="+mj-cs"/>
+                <a:sym typeface="Helvetica Neue"/>
+              </a:defRPr>
+            </a:pPr>
+            <a:r>
+              <a:t>Place your audience in the scene</a:t>
+            </a:r>
+            <a:br>
+              <a:rPr b="0"/>
+            </a:br>
+            <a:r>
+              <a:rPr b="0"/>
+              <a:t>Your goal isn’t to retell; you want your audience to relive it with you. Place them into the scene with you, to fire up their imagination.</a:t>
+            </a:r>
+            <a:endParaRPr b="0"/>
+          </a:p>
+          <a:p>
+            <a:pPr marL="481263" indent="-481263" algn="l">
+              <a:spcBef>
+                <a:spcPts val="3000"/>
+              </a:spcBef>
+              <a:buSzPct val="100000"/>
+              <a:buAutoNum type="arabicPeriod" startAt="1"/>
+              <a:defRPr b="1">
+                <a:latin typeface="+mj-lt"/>
+                <a:ea typeface="+mj-ea"/>
+                <a:cs typeface="+mj-cs"/>
+                <a:sym typeface="Helvetica Neue"/>
+              </a:defRPr>
+            </a:pPr>
+            <a:r>
+              <a:t>Make the characters relatable</a:t>
+            </a:r>
+            <a:br>
+              <a:rPr b="0"/>
+            </a:br>
+            <a:r>
+              <a:rPr b="0"/>
+              <a:t>Every story has characters. They could be your teammates, your customers, even your competitors. To make a character relatable, you can compare them to someone your audience is likely to know; perhaps their boss, a common entrepreneur profile, or even a celebrity.</a:t>
+            </a:r>
+          </a:p>
+        </p:txBody>
+      </p:sp>
+      <p:sp>
+        <p:nvSpPr>
+          <p:cNvPr id="150" name="MICHAEL SEIBEL, CEO, YCOMBINATOR…"/>
+          <p:cNvSpPr txBox="1"/>
+          <p:nvPr/>
+        </p:nvSpPr>
+        <p:spPr>
+          <a:xfrm>
+            <a:off x="2086480" y="3449150"/>
+            <a:ext cx="19835884" cy="1632582"/>
+          </a:xfrm>
+          <a:prstGeom prst="rect">
+            <a:avLst/>
+          </a:prstGeom>
+          <a:ln w="12700">
+            <a:miter lim="400000"/>
+          </a:ln>
+          <a:extLst>
+            <a:ext uri="{C572A759-6A51-4108-AA02-DFA0A04FC94B}">
+              <ma14:wrappingTextBoxFlag xmlns:ma14="http://schemas.microsoft.com/office/mac/drawingml/2011/main" val="1"/>
+            </a:ext>
+          </a:extLst>
+        </p:spPr>
+        <p:txBody>
+          <a:bodyPr lIns="50800" tIns="50800" rIns="50800" bIns="50800">
+            <a:spAutoFit/>
+          </a:bodyPr>
+          <a:lstStyle/>
+          <a:p>
+            <a:pPr algn="l">
+              <a:defRPr b="1" sz="5000" u="sng">
+                <a:latin typeface="+mj-lt"/>
+                <a:ea typeface="+mj-ea"/>
+                <a:cs typeface="+mj-cs"/>
+                <a:sym typeface="Helvetica Neue"/>
+              </a:defRPr>
+            </a:pPr>
+            <a:r>
+              <a:rPr b="0"/>
+              <a:t>Part 1: </a:t>
+            </a:r>
+            <a:r>
+              <a:t>The Setup</a:t>
+            </a:r>
+          </a:p>
+        </p:txBody>
+      </p:sp>
+    </p:spTree>
+  </p:cSld>
+  <p:clrMapOvr>
+    <a:masterClrMapping/>
+  </p:clrMapOvr>
+  <p:transition xmlns:p14="http://schemas.microsoft.com/office/powerpoint/2010/main" spd="med" advClick="1"/>
+</p:sld>
+</file>
+
+<file path=ppt/slides/slide14.xml><?xml version="1.0" encoding="utf-8"?>
+<p:sld xmlns:a="http://schemas.openxmlformats.org/drawingml/2006/main" xmlns:r="http://schemas.openxmlformats.org/officeDocument/2006/relationships" xmlns:p="http://schemas.openxmlformats.org/presentationml/2006/main" xmlns:m="http://schemas.openxmlformats.org/officeDocument/2006/math" xmlns:a14="http://schemas.microsoft.com/office/drawing/2010/main" showMasterSp="1" showMasterPhAnim="1">
+  <p:cSld>
+    <p:spTree>
+      <p:nvGrpSpPr>
+        <p:cNvPr id="1" name=""/>
+        <p:cNvGrpSpPr/>
+        <p:nvPr/>
+      </p:nvGrpSpPr>
+      <p:grpSpPr>
+        <a:xfrm>
+          <a:off x="0" y="0"/>
+          <a:ext cx="0" cy="0"/>
+          <a:chOff x="0" y="0"/>
+          <a:chExt cx="0" cy="0"/>
+        </a:xfrm>
+      </p:grpSpPr>
+      <p:sp>
+        <p:nvSpPr>
+          <p:cNvPr id="152" name="MICHAEL SEIBEL, CEO, YCOMBINATOR…"/>
+          <p:cNvSpPr txBox="1"/>
+          <p:nvPr/>
+        </p:nvSpPr>
+        <p:spPr>
+          <a:xfrm>
+            <a:off x="2086480" y="2936812"/>
+            <a:ext cx="19835884" cy="9171433"/>
+          </a:xfrm>
+          <a:prstGeom prst="rect">
+            <a:avLst/>
+          </a:prstGeom>
+          <a:ln w="12700">
+            <a:miter lim="400000"/>
+          </a:ln>
+          <a:extLst>
+            <a:ext uri="{C572A759-6A51-4108-AA02-DFA0A04FC94B}">
+              <ma14:wrappingTextBoxFlag xmlns:ma14="http://schemas.microsoft.com/office/mac/drawingml/2011/main" val="1"/>
+            </a:ext>
+          </a:extLst>
+        </p:spPr>
+        <p:txBody>
+          <a:bodyPr lIns="50800" tIns="50800" rIns="50800" bIns="50800">
+            <a:spAutoFit/>
+          </a:bodyPr>
+          <a:lstStyle/>
+          <a:p>
+            <a:pPr marL="481263" indent="-481263" algn="l">
+              <a:spcBef>
+                <a:spcPts val="500"/>
+              </a:spcBef>
+              <a:buSzPct val="100000"/>
+              <a:buAutoNum type="arabicPeriod" startAt="1"/>
+              <a:defRPr b="1">
+                <a:latin typeface="+mj-lt"/>
+                <a:ea typeface="+mj-ea"/>
+                <a:cs typeface="+mj-cs"/>
+                <a:sym typeface="Helvetica Neue"/>
+              </a:defRPr>
+            </a:pPr>
+            <a:r>
+              <a:t>Make the problem seem familiar</a:t>
+            </a:r>
+            <a:br/>
+            <a:r>
+              <a:rPr b="0"/>
+              <a:t>Just like comparing the characters to familiar people, you can compare the problem to something your audience is familiar with. This is why you have to do your homework on your investors — so you can use the information to relate to them. Place your audience in the scene.</a:t>
+            </a:r>
+            <a:endParaRPr b="0"/>
+          </a:p>
+          <a:p>
+            <a:pPr marL="481263" indent="-481263" algn="l">
+              <a:spcBef>
+                <a:spcPts val="500"/>
+              </a:spcBef>
+              <a:buSzPct val="100000"/>
+              <a:buAutoNum type="arabicPeriod" startAt="1"/>
+              <a:defRPr b="1">
+                <a:latin typeface="+mj-lt"/>
+                <a:ea typeface="+mj-ea"/>
+                <a:cs typeface="+mj-cs"/>
+                <a:sym typeface="Helvetica Neue"/>
+              </a:defRPr>
+            </a:pPr>
+            <a:r>
+              <a:t>Replace ‘I’ and ‘we’ with ‘you’</a:t>
+            </a:r>
+            <a:br/>
+            <a:r>
+              <a:rPr b="0"/>
+              <a:t>When you talk about your business, there’s a tendency to overuse the word ‘I’. A powerful technique of storytelling is to replace ‘I’ with ‘you’.</a:t>
+            </a:r>
+            <a:endParaRPr b="0"/>
+          </a:p>
+          <a:p>
+            <a:pPr marL="481263" indent="-481263" algn="l">
+              <a:spcBef>
+                <a:spcPts val="500"/>
+              </a:spcBef>
+              <a:buSzPct val="100000"/>
+              <a:buAutoNum type="arabicPeriod" startAt="1"/>
+              <a:defRPr b="1">
+                <a:latin typeface="+mj-lt"/>
+                <a:ea typeface="+mj-ea"/>
+                <a:cs typeface="+mj-cs"/>
+                <a:sym typeface="Helvetica Neue"/>
+              </a:defRPr>
+            </a:pPr>
+            <a:r>
+              <a:t>Use dialogue in the present tense</a:t>
+            </a:r>
+            <a:br>
+              <a:rPr b="0"/>
+            </a:br>
+            <a:r>
+              <a:rPr b="0"/>
+              <a:t>Dialogue makes people seem real — and people like to hear about other people. It also lets you take things from the past and talk about them in the present tense, which creates a sense of urgency. </a:t>
+            </a:r>
+            <a:endParaRPr b="0"/>
+          </a:p>
+          <a:p>
+            <a:pPr marL="481263" indent="-481263" algn="l">
+              <a:spcBef>
+                <a:spcPts val="500"/>
+              </a:spcBef>
+              <a:buSzPct val="100000"/>
+              <a:buAutoNum type="arabicPeriod" startAt="1"/>
+              <a:defRPr b="1">
+                <a:latin typeface="+mj-lt"/>
+                <a:ea typeface="+mj-ea"/>
+                <a:cs typeface="+mj-cs"/>
+                <a:sym typeface="Helvetica Neue"/>
+              </a:defRPr>
+            </a:pPr>
+            <a:r>
+              <a:t>Use specific details</a:t>
+            </a:r>
+            <a:br>
+              <a:rPr b="0"/>
+            </a:br>
+            <a:r>
+              <a:rPr b="0"/>
+              <a:t>Statistics are attributes of a sample. But in your story, you want to present real, observed values. Details about location, time and money can bring your story to life. </a:t>
+            </a:r>
+            <a:endParaRPr b="0"/>
+          </a:p>
+          <a:p>
+            <a:pPr marL="481263" indent="-481263" algn="l">
+              <a:spcBef>
+                <a:spcPts val="500"/>
+              </a:spcBef>
+              <a:buSzPct val="100000"/>
+              <a:buAutoNum type="arabicPeriod" startAt="1"/>
+              <a:defRPr b="1">
+                <a:latin typeface="+mj-lt"/>
+                <a:ea typeface="+mj-ea"/>
+                <a:cs typeface="+mj-cs"/>
+                <a:sym typeface="Helvetica Neue"/>
+              </a:defRPr>
+            </a:pPr>
+            <a:r>
+              <a:t>Use the ‘pregnant pause’</a:t>
+            </a:r>
+            <a:br>
+              <a:rPr b="0"/>
+            </a:br>
+            <a:r>
+              <a:rPr b="0"/>
+              <a:t>It’s in moments of silence that the audience can really check in with their feelings. Use a dramatic pause to emphasise the significance of a certain point in the story.</a:t>
+            </a:r>
+            <a:endParaRPr b="0"/>
+          </a:p>
+          <a:p>
+            <a:pPr marL="481263" indent="-481263" algn="l">
+              <a:spcBef>
+                <a:spcPts val="500"/>
+              </a:spcBef>
+              <a:buSzPct val="100000"/>
+              <a:buAutoNum type="arabicPeriod" startAt="1"/>
+              <a:defRPr b="1">
+                <a:latin typeface="+mj-lt"/>
+                <a:ea typeface="+mj-ea"/>
+                <a:cs typeface="+mj-cs"/>
+                <a:sym typeface="Helvetica Neue"/>
+              </a:defRPr>
+            </a:pPr>
+            <a:r>
+              <a:t>Prompt the audience to feel</a:t>
+            </a:r>
+            <a:br>
+              <a:rPr b="0"/>
+            </a:br>
+            <a:r>
+              <a:rPr b="0"/>
+              <a:t>The goal of your story is to create an emotional impact, not just a logical one. So at the most emotionally intense moments in your story, ask your audience to imagine how they would feel in that situation.</a:t>
+            </a:r>
+          </a:p>
+        </p:txBody>
+      </p:sp>
+      <p:sp>
+        <p:nvSpPr>
+          <p:cNvPr id="153" name="MICHAEL SEIBEL, CEO, YCOMBINATOR…"/>
+          <p:cNvSpPr txBox="1"/>
+          <p:nvPr/>
+        </p:nvSpPr>
+        <p:spPr>
+          <a:xfrm>
+            <a:off x="2086480" y="1607756"/>
+            <a:ext cx="19835884" cy="1632581"/>
+          </a:xfrm>
+          <a:prstGeom prst="rect">
+            <a:avLst/>
+          </a:prstGeom>
+          <a:ln w="12700">
+            <a:miter lim="400000"/>
+          </a:ln>
+          <a:extLst>
+            <a:ext uri="{C572A759-6A51-4108-AA02-DFA0A04FC94B}">
+              <ma14:wrappingTextBoxFlag xmlns:ma14="http://schemas.microsoft.com/office/mac/drawingml/2011/main" val="1"/>
+            </a:ext>
+          </a:extLst>
+        </p:spPr>
+        <p:txBody>
+          <a:bodyPr lIns="50800" tIns="50800" rIns="50800" bIns="50800">
+            <a:spAutoFit/>
+          </a:bodyPr>
+          <a:lstStyle/>
+          <a:p>
+            <a:pPr algn="l">
+              <a:defRPr b="1" sz="5000" u="sng">
+                <a:latin typeface="+mj-lt"/>
+                <a:ea typeface="+mj-ea"/>
+                <a:cs typeface="+mj-cs"/>
+                <a:sym typeface="Helvetica Neue"/>
+              </a:defRPr>
+            </a:pPr>
+            <a:r>
+              <a:rPr b="0"/>
+              <a:t>Part 2:</a:t>
+            </a:r>
+            <a:r>
+              <a:t> The Struggle</a:t>
+            </a:r>
+          </a:p>
+        </p:txBody>
+      </p:sp>
+    </p:spTree>
+  </p:cSld>
+  <p:clrMapOvr>
+    <a:masterClrMapping/>
+  </p:clrMapOvr>
+  <p:transition xmlns:p14="http://schemas.microsoft.com/office/powerpoint/2010/main" spd="med" advClick="1"/>
+</p:sld>
+</file>
+
+<file path=ppt/slides/slide15.xml><?xml version="1.0" encoding="utf-8"?>
+<p:sld xmlns:a="http://schemas.openxmlformats.org/drawingml/2006/main" xmlns:r="http://schemas.openxmlformats.org/officeDocument/2006/relationships" xmlns:p="http://schemas.openxmlformats.org/presentationml/2006/main" xmlns:m="http://schemas.openxmlformats.org/officeDocument/2006/math" xmlns:a14="http://schemas.microsoft.com/office/drawing/2010/main" showMasterSp="1" showMasterPhAnim="1">
+  <p:cSld>
+    <p:spTree>
+      <p:nvGrpSpPr>
+        <p:cNvPr id="1" name=""/>
+        <p:cNvGrpSpPr/>
+        <p:nvPr/>
+      </p:nvGrpSpPr>
+      <p:grpSpPr>
+        <a:xfrm>
+          <a:off x="0" y="0"/>
+          <a:ext cx="0" cy="0"/>
+          <a:chOff x="0" y="0"/>
+          <a:chExt cx="0" cy="0"/>
+        </a:xfrm>
+      </p:grpSpPr>
+      <p:sp>
+        <p:nvSpPr>
+          <p:cNvPr id="155" name="MICHAEL SEIBEL, CEO, YCOMBINATOR…"/>
+          <p:cNvSpPr txBox="1"/>
+          <p:nvPr/>
+        </p:nvSpPr>
+        <p:spPr>
+          <a:xfrm>
+            <a:off x="2086480" y="4343450"/>
+            <a:ext cx="19835884" cy="5463033"/>
+          </a:xfrm>
+          <a:prstGeom prst="rect">
+            <a:avLst/>
+          </a:prstGeom>
+          <a:ln w="12700">
+            <a:miter lim="400000"/>
+          </a:ln>
+          <a:extLst>
+            <a:ext uri="{C572A759-6A51-4108-AA02-DFA0A04FC94B}">
+              <ma14:wrappingTextBoxFlag xmlns:ma14="http://schemas.microsoft.com/office/mac/drawingml/2011/main" val="1"/>
+            </a:ext>
+          </a:extLst>
+        </p:spPr>
+        <p:txBody>
+          <a:bodyPr lIns="50800" tIns="50800" rIns="50800" bIns="50800">
+            <a:spAutoFit/>
+          </a:bodyPr>
+          <a:lstStyle/>
+          <a:p>
+            <a:pPr marL="481263" indent="-481263" algn="l">
+              <a:spcBef>
+                <a:spcPts val="3000"/>
+              </a:spcBef>
+              <a:buSzPct val="100000"/>
+              <a:buAutoNum type="arabicPeriod" startAt="1"/>
+              <a:defRPr b="1">
+                <a:latin typeface="+mj-lt"/>
+                <a:ea typeface="+mj-ea"/>
+                <a:cs typeface="+mj-cs"/>
+                <a:sym typeface="Helvetica Neue"/>
+              </a:defRPr>
+            </a:pPr>
+            <a:r>
+              <a:t>Introduce the solution as a question</a:t>
+            </a:r>
+            <a:br/>
+            <a:r>
+              <a:rPr b="0"/>
+              <a:t>Before you tell them about your product or solution, ask the question, ‘What if . . . ?’ Again, open the curiosity gap before you fill it.</a:t>
+            </a:r>
+            <a:endParaRPr b="0"/>
+          </a:p>
+          <a:p>
+            <a:pPr marL="481263" indent="-481263" algn="l">
+              <a:spcBef>
+                <a:spcPts val="3000"/>
+              </a:spcBef>
+              <a:buSzPct val="100000"/>
+              <a:buAutoNum type="arabicPeriod" startAt="1"/>
+              <a:defRPr b="1">
+                <a:latin typeface="+mj-lt"/>
+                <a:ea typeface="+mj-ea"/>
+                <a:cs typeface="+mj-cs"/>
+                <a:sym typeface="Helvetica Neue"/>
+              </a:defRPr>
+            </a:pPr>
+            <a:r>
+              <a:t>Let someone else be the hero</a:t>
+            </a:r>
+            <a:br>
+              <a:rPr b="0"/>
+            </a:br>
+            <a:r>
+              <a:rPr b="0"/>
+              <a:t>Don’t assume that you have to be the hero of your story. Giving credit for the solution to someone else can be a powerful way to come off as both humble and relatable to your audience. You can credit a mentor, a book, a teammate, another product, or even a stranger.</a:t>
+            </a:r>
+            <a:endParaRPr b="0"/>
+          </a:p>
+          <a:p>
+            <a:pPr marL="481263" indent="-481263" algn="l">
+              <a:spcBef>
+                <a:spcPts val="3000"/>
+              </a:spcBef>
+              <a:buSzPct val="100000"/>
+              <a:buAutoNum type="arabicPeriod" startAt="1"/>
+              <a:defRPr b="1">
+                <a:latin typeface="+mj-lt"/>
+                <a:ea typeface="+mj-ea"/>
+                <a:cs typeface="+mj-cs"/>
+                <a:sym typeface="Helvetica Neue"/>
+              </a:defRPr>
+            </a:pPr>
+            <a:r>
+              <a:t>Physical gestures</a:t>
+            </a:r>
+            <a:br>
+              <a:rPr b="0"/>
+            </a:br>
+            <a:r>
+              <a:rPr b="0"/>
+              <a:t>Using motion — hand gestures, facial expressions, body posture, even just walking around — is an advanced technique. However, done correctly it can add to the narrative and make your story even more memorable.</a:t>
+            </a:r>
+          </a:p>
+        </p:txBody>
+      </p:sp>
+      <p:sp>
+        <p:nvSpPr>
+          <p:cNvPr id="156" name="MICHAEL SEIBEL, CEO, YCOMBINATOR…"/>
+          <p:cNvSpPr txBox="1"/>
+          <p:nvPr/>
+        </p:nvSpPr>
+        <p:spPr>
+          <a:xfrm>
+            <a:off x="2086480" y="2104103"/>
+            <a:ext cx="19835884" cy="1632582"/>
+          </a:xfrm>
+          <a:prstGeom prst="rect">
+            <a:avLst/>
+          </a:prstGeom>
+          <a:ln w="12700">
+            <a:miter lim="400000"/>
+          </a:ln>
+          <a:extLst>
+            <a:ext uri="{C572A759-6A51-4108-AA02-DFA0A04FC94B}">
+              <ma14:wrappingTextBoxFlag xmlns:ma14="http://schemas.microsoft.com/office/mac/drawingml/2011/main" val="1"/>
+            </a:ext>
+          </a:extLst>
+        </p:spPr>
+        <p:txBody>
+          <a:bodyPr lIns="50800" tIns="50800" rIns="50800" bIns="50800">
+            <a:spAutoFit/>
+          </a:bodyPr>
+          <a:lstStyle/>
+          <a:p>
+            <a:pPr algn="l">
+              <a:defRPr b="1" sz="5000" u="sng">
+                <a:latin typeface="+mj-lt"/>
+                <a:ea typeface="+mj-ea"/>
+                <a:cs typeface="+mj-cs"/>
+                <a:sym typeface="Helvetica Neue"/>
+              </a:defRPr>
+            </a:pPr>
+            <a:r>
+              <a:rPr b="0"/>
+              <a:t>Part 3:</a:t>
+            </a:r>
+            <a:r>
+              <a:t> The Solution</a:t>
             </a:r>
           </a:p>
         </p:txBody>
@@ -3281,14 +4088,14 @@
       </p:grpSpPr>
       <p:sp>
         <p:nvSpPr>
-          <p:cNvPr id="121" name="1 What do you do?…"/>
+          <p:cNvPr id="123" name="1 What do you do?…"/>
           <p:cNvSpPr txBox="1"/>
           <p:nvPr/>
         </p:nvSpPr>
         <p:spPr>
           <a:xfrm>
-            <a:off x="2086481" y="3861520"/>
-            <a:ext cx="19835882" cy="3034739"/>
+            <a:off x="2086480" y="3861520"/>
+            <a:ext cx="19835884" cy="2478533"/>
           </a:xfrm>
           <a:prstGeom prst="rect">
             <a:avLst/>
@@ -3309,7 +4116,12 @@
           <a:lstStyle/>
           <a:p>
             <a:pPr algn="l">
-              <a:defRPr sz="3600"/>
+              <a:defRPr b="1" sz="3600">
+                <a:latin typeface="+mj-lt"/>
+                <a:ea typeface="+mj-ea"/>
+                <a:cs typeface="+mj-cs"/>
+                <a:sym typeface="Helvetica Neue"/>
+              </a:defRPr>
             </a:pPr>
             <a:r>
               <a:t>1 What do you do? </a:t>
@@ -3317,7 +4129,12 @@
           </a:p>
           <a:p>
             <a:pPr algn="l">
-              <a:defRPr b="0"/>
+              <a:defRPr>
+                <a:latin typeface="+mj-lt"/>
+                <a:ea typeface="+mj-ea"/>
+                <a:cs typeface="+mj-cs"/>
+                <a:sym typeface="Helvetica Neue"/>
+              </a:defRPr>
             </a:pPr>
             <a:r>
               <a:t>Your goal when answering this question should not be to have me understand your whole business but rather make me interested enough to ask follow-up questions.</a:t>
@@ -3325,7 +4142,12 @@
           </a:p>
           <a:p>
             <a:pPr algn="l">
-              <a:defRPr b="0"/>
+              <a:defRPr>
+                <a:latin typeface="+mj-lt"/>
+                <a:ea typeface="+mj-ea"/>
+                <a:cs typeface="+mj-cs"/>
+                <a:sym typeface="Helvetica Neue"/>
+              </a:defRPr>
             </a:pPr>
             <a:r>
               <a:t>If you’re having trouble communicating your product simply, walking me through the user path can be an effective tactic.</a:t>
@@ -3335,14 +4157,14 @@
       </p:sp>
       <p:sp>
         <p:nvSpPr>
-          <p:cNvPr id="122" name="MICHAEL SEIBEL, CEO, YCOMBINATOR…"/>
+          <p:cNvPr id="124" name="MICHAEL SEIBEL, CEO, YCOMBINATOR…"/>
           <p:cNvSpPr txBox="1"/>
           <p:nvPr/>
         </p:nvSpPr>
         <p:spPr>
           <a:xfrm>
-            <a:off x="2086481" y="1170203"/>
-            <a:ext cx="19835882" cy="1764739"/>
+            <a:off x="2086480" y="1170202"/>
+            <a:ext cx="19835884" cy="1764740"/>
           </a:xfrm>
           <a:prstGeom prst="rect">
             <a:avLst/>
@@ -3363,7 +4185,12 @@
           <a:lstStyle/>
           <a:p>
             <a:pPr algn="l">
-              <a:defRPr sz="3600"/>
+              <a:defRPr b="1" sz="3600">
+                <a:latin typeface="+mj-lt"/>
+                <a:ea typeface="+mj-ea"/>
+                <a:cs typeface="+mj-cs"/>
+                <a:sym typeface="Helvetica Neue"/>
+              </a:defRPr>
             </a:pPr>
             <a:r>
               <a:t>MICHAEL SEIBEL, CEO, YCOMBINATOR</a:t>
@@ -3371,12 +4198,22 @@
           </a:p>
           <a:p>
             <a:pPr algn="l">
-              <a:defRPr sz="3600"/>
-            </a:pPr>
-          </a:p>
-          <a:p>
-            <a:pPr algn="l">
-              <a:defRPr sz="3600"/>
+              <a:defRPr b="1" sz="3600">
+                <a:latin typeface="+mj-lt"/>
+                <a:ea typeface="+mj-ea"/>
+                <a:cs typeface="+mj-cs"/>
+                <a:sym typeface="Helvetica Neue"/>
+              </a:defRPr>
+            </a:pPr>
+          </a:p>
+          <a:p>
+            <a:pPr algn="l">
+              <a:defRPr b="1" sz="3600">
+                <a:latin typeface="+mj-lt"/>
+                <a:ea typeface="+mj-ea"/>
+                <a:cs typeface="+mj-cs"/>
+                <a:sym typeface="Helvetica Neue"/>
+              </a:defRPr>
             </a:pPr>
             <a:r>
               <a:t>How to pitch your company? </a:t>
@@ -3412,14 +4249,14 @@
       </p:grpSpPr>
       <p:sp>
         <p:nvSpPr>
-          <p:cNvPr id="124" name="1 What do you do?…"/>
+          <p:cNvPr id="126" name="1 What do you do?…"/>
           <p:cNvSpPr txBox="1"/>
           <p:nvPr/>
         </p:nvSpPr>
         <p:spPr>
           <a:xfrm>
-            <a:off x="2086481" y="3861520"/>
-            <a:ext cx="19835882" cy="6362139"/>
+            <a:off x="2086480" y="3861520"/>
+            <a:ext cx="19835884" cy="5805933"/>
           </a:xfrm>
           <a:prstGeom prst="rect">
             <a:avLst/>
@@ -3440,10 +4277,14 @@
           <a:lstStyle/>
           <a:p>
             <a:pPr algn="l">
-              <a:defRPr sz="3600">
+              <a:defRPr b="1" sz="3600">
                 <a:solidFill>
                   <a:srgbClr val="929292"/>
                 </a:solidFill>
+                <a:latin typeface="+mj-lt"/>
+                <a:ea typeface="+mj-ea"/>
+                <a:cs typeface="+mj-cs"/>
+                <a:sym typeface="Helvetica Neue"/>
               </a:defRPr>
             </a:pPr>
             <a:r>
@@ -3452,10 +4293,14 @@
           </a:p>
           <a:p>
             <a:pPr algn="l">
-              <a:defRPr b="0">
+              <a:defRPr>
                 <a:solidFill>
                   <a:srgbClr val="929292"/>
                 </a:solidFill>
+                <a:latin typeface="+mj-lt"/>
+                <a:ea typeface="+mj-ea"/>
+                <a:cs typeface="+mj-cs"/>
+                <a:sym typeface="Helvetica Neue"/>
               </a:defRPr>
             </a:pPr>
             <a:r>
@@ -3464,10 +4309,14 @@
           </a:p>
           <a:p>
             <a:pPr algn="l">
-              <a:defRPr b="0">
+              <a:defRPr>
                 <a:solidFill>
                   <a:srgbClr val="929292"/>
                 </a:solidFill>
+                <a:latin typeface="+mj-lt"/>
+                <a:ea typeface="+mj-ea"/>
+                <a:cs typeface="+mj-cs"/>
+                <a:sym typeface="Helvetica Neue"/>
               </a:defRPr>
             </a:pPr>
             <a:r>
@@ -3475,14 +4324,33 @@
             </a:r>
           </a:p>
           <a:p>
-            <a:pPr algn="l"/>
-          </a:p>
-          <a:p>
-            <a:pPr algn="l"/>
-          </a:p>
-          <a:p>
-            <a:pPr algn="l">
-              <a:defRPr sz="3600"/>
+            <a:pPr algn="l">
+              <a:defRPr b="1">
+                <a:latin typeface="+mj-lt"/>
+                <a:ea typeface="+mj-ea"/>
+                <a:cs typeface="+mj-cs"/>
+                <a:sym typeface="Helvetica Neue"/>
+              </a:defRPr>
+            </a:pPr>
+          </a:p>
+          <a:p>
+            <a:pPr algn="l">
+              <a:defRPr b="1">
+                <a:latin typeface="+mj-lt"/>
+                <a:ea typeface="+mj-ea"/>
+                <a:cs typeface="+mj-cs"/>
+                <a:sym typeface="Helvetica Neue"/>
+              </a:defRPr>
+            </a:pPr>
+          </a:p>
+          <a:p>
+            <a:pPr algn="l">
+              <a:defRPr b="1" sz="3600">
+                <a:latin typeface="+mj-lt"/>
+                <a:ea typeface="+mj-ea"/>
+                <a:cs typeface="+mj-cs"/>
+                <a:sym typeface="Helvetica Neue"/>
+              </a:defRPr>
             </a:pPr>
             <a:r>
               <a:t>2 How big is the market? </a:t>
@@ -3490,7 +4358,12 @@
           </a:p>
           <a:p>
             <a:pPr algn="l">
-              <a:defRPr b="0"/>
+              <a:defRPr>
+                <a:latin typeface="+mj-lt"/>
+                <a:ea typeface="+mj-ea"/>
+                <a:cs typeface="+mj-cs"/>
+                <a:sym typeface="Helvetica Neue"/>
+              </a:defRPr>
             </a:pPr>
             <a:r>
               <a:t>When you’re estimating market size and what % you could own, there are two methods: top down and bottom up. With the top down approach you determine the total market and estimate your potential share of it. With bottom up you figure out where comparable products are sold, how many of them are sold, and what % of those sales you could take.</a:t>
@@ -3500,14 +4373,14 @@
       </p:sp>
       <p:sp>
         <p:nvSpPr>
-          <p:cNvPr id="125" name="MICHAEL SEIBEL, CEO, YCOMBINATOR…"/>
+          <p:cNvPr id="127" name="MICHAEL SEIBEL, CEO, YCOMBINATOR…"/>
           <p:cNvSpPr txBox="1"/>
           <p:nvPr/>
         </p:nvSpPr>
         <p:spPr>
           <a:xfrm>
-            <a:off x="2086481" y="1170203"/>
-            <a:ext cx="19835882" cy="1764739"/>
+            <a:off x="2086480" y="1170202"/>
+            <a:ext cx="19835884" cy="1764740"/>
           </a:xfrm>
           <a:prstGeom prst="rect">
             <a:avLst/>
@@ -3528,7 +4401,12 @@
           <a:lstStyle/>
           <a:p>
             <a:pPr algn="l">
-              <a:defRPr sz="3600"/>
+              <a:defRPr b="1" sz="3600">
+                <a:latin typeface="+mj-lt"/>
+                <a:ea typeface="+mj-ea"/>
+                <a:cs typeface="+mj-cs"/>
+                <a:sym typeface="Helvetica Neue"/>
+              </a:defRPr>
             </a:pPr>
             <a:r>
               <a:t>MICHAEL SEIBEL, CEO, YCOMBINATOR</a:t>
@@ -3536,12 +4414,22 @@
           </a:p>
           <a:p>
             <a:pPr algn="l">
-              <a:defRPr sz="3600"/>
-            </a:pPr>
-          </a:p>
-          <a:p>
-            <a:pPr algn="l">
-              <a:defRPr sz="3600"/>
+              <a:defRPr b="1" sz="3600">
+                <a:latin typeface="+mj-lt"/>
+                <a:ea typeface="+mj-ea"/>
+                <a:cs typeface="+mj-cs"/>
+                <a:sym typeface="Helvetica Neue"/>
+              </a:defRPr>
+            </a:pPr>
+          </a:p>
+          <a:p>
+            <a:pPr algn="l">
+              <a:defRPr b="1" sz="3600">
+                <a:latin typeface="+mj-lt"/>
+                <a:ea typeface="+mj-ea"/>
+                <a:cs typeface="+mj-cs"/>
+                <a:sym typeface="Helvetica Neue"/>
+              </a:defRPr>
             </a:pPr>
             <a:r>
               <a:t>How to pitch your company? </a:t>
@@ -3577,14 +4465,14 @@
       </p:grpSpPr>
       <p:sp>
         <p:nvSpPr>
-          <p:cNvPr id="127" name="1 What do you do?…"/>
+          <p:cNvPr id="129" name="1 What do you do?…"/>
           <p:cNvSpPr txBox="1"/>
           <p:nvPr/>
         </p:nvSpPr>
         <p:spPr>
           <a:xfrm>
-            <a:off x="2086481" y="3861520"/>
-            <a:ext cx="19835882" cy="8775139"/>
+            <a:off x="2086480" y="3861520"/>
+            <a:ext cx="19835884" cy="8218933"/>
           </a:xfrm>
           <a:prstGeom prst="rect">
             <a:avLst/>
@@ -3605,38 +4493,18 @@
           <a:lstStyle/>
           <a:p>
             <a:pPr algn="l">
-              <a:defRPr sz="3600">
+              <a:defRPr b="1" sz="3600">
                 <a:solidFill>
                   <a:srgbClr val="929292"/>
                 </a:solidFill>
+                <a:latin typeface="+mj-lt"/>
+                <a:ea typeface="+mj-ea"/>
+                <a:cs typeface="+mj-cs"/>
+                <a:sym typeface="Helvetica Neue"/>
               </a:defRPr>
             </a:pPr>
             <a:r>
               <a:t>1 What do you do? </a:t>
-            </a:r>
-          </a:p>
-          <a:p>
-            <a:pPr algn="l">
-              <a:defRPr b="0">
-                <a:solidFill>
-                  <a:srgbClr val="929292"/>
-                </a:solidFill>
-              </a:defRPr>
-            </a:pPr>
-            <a:r>
-              <a:t>Your goal when answering this question should not be to have me understand your whole business but rather make me interested enough to ask follow-up questions.</a:t>
-            </a:r>
-          </a:p>
-          <a:p>
-            <a:pPr algn="l">
-              <a:defRPr b="0">
-                <a:solidFill>
-                  <a:srgbClr val="929292"/>
-                </a:solidFill>
-              </a:defRPr>
-            </a:pPr>
-            <a:r>
-              <a:t>If you’re having trouble communicating your product simply, walking me through the user path can be an effective tactic.</a:t>
             </a:r>
           </a:p>
           <a:p>
@@ -3645,8 +4513,15 @@
                 <a:solidFill>
                   <a:srgbClr val="929292"/>
                 </a:solidFill>
-              </a:defRPr>
-            </a:pPr>
+                <a:latin typeface="+mj-lt"/>
+                <a:ea typeface="+mj-ea"/>
+                <a:cs typeface="+mj-cs"/>
+                <a:sym typeface="Helvetica Neue"/>
+              </a:defRPr>
+            </a:pPr>
+            <a:r>
+              <a:t>Your goal when answering this question should not be to have me understand your whole business but rather make me interested enough to ask follow-up questions.</a:t>
+            </a:r>
           </a:p>
           <a:p>
             <a:pPr algn="l">
@@ -3654,27 +4529,68 @@
                 <a:solidFill>
                   <a:srgbClr val="929292"/>
                 </a:solidFill>
-              </a:defRPr>
-            </a:pPr>
-          </a:p>
-          <a:p>
-            <a:pPr algn="l">
-              <a:defRPr sz="3600">
+                <a:latin typeface="+mj-lt"/>
+                <a:ea typeface="+mj-ea"/>
+                <a:cs typeface="+mj-cs"/>
+                <a:sym typeface="Helvetica Neue"/>
+              </a:defRPr>
+            </a:pPr>
+            <a:r>
+              <a:t>If you’re having trouble communicating your product simply, walking me through the user path can be an effective tactic.</a:t>
+            </a:r>
+          </a:p>
+          <a:p>
+            <a:pPr algn="l">
+              <a:defRPr b="1">
                 <a:solidFill>
                   <a:srgbClr val="929292"/>
                 </a:solidFill>
-              </a:defRPr>
-            </a:pPr>
-            <a:r>
-              <a:t>2 How big is the market? </a:t>
-            </a:r>
-          </a:p>
-          <a:p>
-            <a:pPr algn="l">
-              <a:defRPr b="0">
+                <a:latin typeface="+mj-lt"/>
+                <a:ea typeface="+mj-ea"/>
+                <a:cs typeface="+mj-cs"/>
+                <a:sym typeface="Helvetica Neue"/>
+              </a:defRPr>
+            </a:pPr>
+          </a:p>
+          <a:p>
+            <a:pPr algn="l">
+              <a:defRPr b="1">
                 <a:solidFill>
                   <a:srgbClr val="929292"/>
                 </a:solidFill>
+                <a:latin typeface="+mj-lt"/>
+                <a:ea typeface="+mj-ea"/>
+                <a:cs typeface="+mj-cs"/>
+                <a:sym typeface="Helvetica Neue"/>
+              </a:defRPr>
+            </a:pPr>
+          </a:p>
+          <a:p>
+            <a:pPr algn="l">
+              <a:defRPr b="1" sz="3600">
+                <a:solidFill>
+                  <a:srgbClr val="929292"/>
+                </a:solidFill>
+                <a:latin typeface="+mj-lt"/>
+                <a:ea typeface="+mj-ea"/>
+                <a:cs typeface="+mj-cs"/>
+                <a:sym typeface="Helvetica Neue"/>
+              </a:defRPr>
+            </a:pPr>
+            <a:r>
+              <a:t>2 How big is the market? </a:t>
+            </a:r>
+          </a:p>
+          <a:p>
+            <a:pPr algn="l">
+              <a:defRPr>
+                <a:solidFill>
+                  <a:srgbClr val="929292"/>
+                </a:solidFill>
+                <a:latin typeface="+mj-lt"/>
+                <a:ea typeface="+mj-ea"/>
+                <a:cs typeface="+mj-cs"/>
+                <a:sym typeface="Helvetica Neue"/>
               </a:defRPr>
             </a:pPr>
             <a:r>
@@ -3682,14 +4598,33 @@
             </a:r>
           </a:p>
           <a:p>
-            <a:pPr algn="l"/>
-          </a:p>
-          <a:p>
-            <a:pPr algn="l"/>
-          </a:p>
-          <a:p>
-            <a:pPr algn="l">
-              <a:defRPr sz="3600"/>
+            <a:pPr algn="l">
+              <a:defRPr b="1">
+                <a:latin typeface="+mj-lt"/>
+                <a:ea typeface="+mj-ea"/>
+                <a:cs typeface="+mj-cs"/>
+                <a:sym typeface="Helvetica Neue"/>
+              </a:defRPr>
+            </a:pPr>
+          </a:p>
+          <a:p>
+            <a:pPr algn="l">
+              <a:defRPr b="1">
+                <a:latin typeface="+mj-lt"/>
+                <a:ea typeface="+mj-ea"/>
+                <a:cs typeface="+mj-cs"/>
+                <a:sym typeface="Helvetica Neue"/>
+              </a:defRPr>
+            </a:pPr>
+          </a:p>
+          <a:p>
+            <a:pPr algn="l">
+              <a:defRPr b="1" sz="3600">
+                <a:latin typeface="+mj-lt"/>
+                <a:ea typeface="+mj-ea"/>
+                <a:cs typeface="+mj-cs"/>
+                <a:sym typeface="Helvetica Neue"/>
+              </a:defRPr>
             </a:pPr>
             <a:r>
               <a:t>3 What’s your progress? </a:t>
@@ -3697,7 +4632,12 @@
           </a:p>
           <a:p>
             <a:pPr algn="l">
-              <a:defRPr b="0"/>
+              <a:defRPr>
+                <a:latin typeface="+mj-lt"/>
+                <a:ea typeface="+mj-ea"/>
+                <a:cs typeface="+mj-cs"/>
+                <a:sym typeface="Helvetica Neue"/>
+              </a:defRPr>
             </a:pPr>
             <a:r>
               <a:t>What I’m trying to understand here is how fast you produce work. What is the ratio between what you’ve done and how long you’ve been working on it?</a:t>
@@ -3707,14 +4647,14 @@
       </p:sp>
       <p:sp>
         <p:nvSpPr>
-          <p:cNvPr id="128" name="MICHAEL SEIBEL, CEO, YCOMBINATOR…"/>
+          <p:cNvPr id="130" name="MICHAEL SEIBEL, CEO, YCOMBINATOR…"/>
           <p:cNvSpPr txBox="1"/>
           <p:nvPr/>
         </p:nvSpPr>
         <p:spPr>
           <a:xfrm>
-            <a:off x="2086481" y="1170203"/>
-            <a:ext cx="19835882" cy="1764739"/>
+            <a:off x="2086480" y="1170202"/>
+            <a:ext cx="19835884" cy="1764740"/>
           </a:xfrm>
           <a:prstGeom prst="rect">
             <a:avLst/>
@@ -3735,7 +4675,12 @@
           <a:lstStyle/>
           <a:p>
             <a:pPr algn="l">
-              <a:defRPr sz="3600"/>
+              <a:defRPr b="1" sz="3600">
+                <a:latin typeface="+mj-lt"/>
+                <a:ea typeface="+mj-ea"/>
+                <a:cs typeface="+mj-cs"/>
+                <a:sym typeface="Helvetica Neue"/>
+              </a:defRPr>
             </a:pPr>
             <a:r>
               <a:t>MICHAEL SEIBEL, CEO, YCOMBINATOR</a:t>
@@ -3743,12 +4688,22 @@
           </a:p>
           <a:p>
             <a:pPr algn="l">
-              <a:defRPr sz="3600"/>
-            </a:pPr>
-          </a:p>
-          <a:p>
-            <a:pPr algn="l">
-              <a:defRPr sz="3600"/>
+              <a:defRPr b="1" sz="3600">
+                <a:latin typeface="+mj-lt"/>
+                <a:ea typeface="+mj-ea"/>
+                <a:cs typeface="+mj-cs"/>
+                <a:sym typeface="Helvetica Neue"/>
+              </a:defRPr>
+            </a:pPr>
+          </a:p>
+          <a:p>
+            <a:pPr algn="l">
+              <a:defRPr b="1" sz="3600">
+                <a:latin typeface="+mj-lt"/>
+                <a:ea typeface="+mj-ea"/>
+                <a:cs typeface="+mj-cs"/>
+                <a:sym typeface="Helvetica Neue"/>
+              </a:defRPr>
             </a:pPr>
             <a:r>
               <a:t>How to pitch your company? </a:t>
@@ -3784,14 +4739,14 @@
       </p:grpSpPr>
       <p:sp>
         <p:nvSpPr>
-          <p:cNvPr id="130" name="4 What’s your unique insight?…"/>
+          <p:cNvPr id="132" name="4 What’s your unique insight?…"/>
           <p:cNvSpPr txBox="1"/>
           <p:nvPr/>
         </p:nvSpPr>
         <p:spPr>
           <a:xfrm>
-            <a:off x="2086481" y="2469133"/>
-            <a:ext cx="19835882" cy="2577539"/>
+            <a:off x="2086480" y="2469133"/>
+            <a:ext cx="19835884" cy="2021333"/>
           </a:xfrm>
           <a:prstGeom prst="rect">
             <a:avLst/>
@@ -3812,7 +4767,12 @@
           <a:lstStyle/>
           <a:p>
             <a:pPr algn="l">
-              <a:defRPr sz="3600"/>
+              <a:defRPr b="1" sz="3600">
+                <a:latin typeface="+mj-lt"/>
+                <a:ea typeface="+mj-ea"/>
+                <a:cs typeface="+mj-cs"/>
+                <a:sym typeface="Helvetica Neue"/>
+              </a:defRPr>
             </a:pPr>
             <a:r>
               <a:t>4 What’s your unique insight? </a:t>
@@ -3820,7 +4780,12 @@
           </a:p>
           <a:p>
             <a:pPr algn="l">
-              <a:defRPr b="0"/>
+              <a:defRPr>
+                <a:latin typeface="+mj-lt"/>
+                <a:ea typeface="+mj-ea"/>
+                <a:cs typeface="+mj-cs"/>
+                <a:sym typeface="Helvetica Neue"/>
+              </a:defRPr>
             </a:pPr>
             <a:r>
               <a:t>What I really want to understand is what you know about the problem that everyone else doesn’t. This is usually derived from multiple conversations with customers, deep analysis of current products in the space, and often personal experience.</a:t>
@@ -3856,14 +4821,14 @@
       </p:grpSpPr>
       <p:sp>
         <p:nvSpPr>
-          <p:cNvPr id="132" name="4 What’s your unique insight?…"/>
+          <p:cNvPr id="134" name="4 What’s your unique insight?…"/>
           <p:cNvSpPr txBox="1"/>
           <p:nvPr/>
         </p:nvSpPr>
         <p:spPr>
           <a:xfrm>
-            <a:off x="2086481" y="2469133"/>
-            <a:ext cx="19835882" cy="4965139"/>
+            <a:off x="2086480" y="2469132"/>
+            <a:ext cx="19835884" cy="4408933"/>
           </a:xfrm>
           <a:prstGeom prst="rect">
             <a:avLst/>
@@ -3884,10 +4849,14 @@
           <a:lstStyle/>
           <a:p>
             <a:pPr algn="l">
-              <a:defRPr sz="3600">
+              <a:defRPr b="1" sz="3600">
                 <a:solidFill>
                   <a:srgbClr val="929292"/>
                 </a:solidFill>
+                <a:latin typeface="+mj-lt"/>
+                <a:ea typeface="+mj-ea"/>
+                <a:cs typeface="+mj-cs"/>
+                <a:sym typeface="Helvetica Neue"/>
               </a:defRPr>
             </a:pPr>
             <a:r>
@@ -3896,10 +4865,14 @@
           </a:p>
           <a:p>
             <a:pPr algn="l">
-              <a:defRPr b="0">
+              <a:defRPr>
                 <a:solidFill>
                   <a:srgbClr val="929292"/>
                 </a:solidFill>
+                <a:latin typeface="+mj-lt"/>
+                <a:ea typeface="+mj-ea"/>
+                <a:cs typeface="+mj-cs"/>
+                <a:sym typeface="Helvetica Neue"/>
               </a:defRPr>
             </a:pPr>
             <a:r>
@@ -3908,17 +4881,32 @@
           </a:p>
           <a:p>
             <a:pPr algn="l">
-              <a:defRPr b="0"/>
-            </a:pPr>
-          </a:p>
-          <a:p>
-            <a:pPr algn="l">
-              <a:defRPr b="0"/>
-            </a:pPr>
-          </a:p>
-          <a:p>
-            <a:pPr algn="l">
-              <a:defRPr sz="3600"/>
+              <a:defRPr>
+                <a:latin typeface="+mj-lt"/>
+                <a:ea typeface="+mj-ea"/>
+                <a:cs typeface="+mj-cs"/>
+                <a:sym typeface="Helvetica Neue"/>
+              </a:defRPr>
+            </a:pPr>
+          </a:p>
+          <a:p>
+            <a:pPr algn="l">
+              <a:defRPr>
+                <a:latin typeface="+mj-lt"/>
+                <a:ea typeface="+mj-ea"/>
+                <a:cs typeface="+mj-cs"/>
+                <a:sym typeface="Helvetica Neue"/>
+              </a:defRPr>
+            </a:pPr>
+          </a:p>
+          <a:p>
+            <a:pPr algn="l">
+              <a:defRPr b="1" sz="3600">
+                <a:latin typeface="+mj-lt"/>
+                <a:ea typeface="+mj-ea"/>
+                <a:cs typeface="+mj-cs"/>
+                <a:sym typeface="Helvetica Neue"/>
+              </a:defRPr>
             </a:pPr>
             <a:r>
               <a:t>5 What’s your business model? </a:t>
@@ -3926,7 +4914,12 @@
           </a:p>
           <a:p>
             <a:pPr algn="l">
-              <a:defRPr b="0"/>
+              <a:defRPr>
+                <a:latin typeface="+mj-lt"/>
+                <a:ea typeface="+mj-ea"/>
+                <a:cs typeface="+mj-cs"/>
+                <a:sym typeface="Helvetica Neue"/>
+              </a:defRPr>
             </a:pPr>
             <a:r>
               <a:t>There are two types of startups, those that know how they’ll make money and those that haven’t figured it out yet.</a:t>
@@ -3934,7 +4927,12 @@
           </a:p>
           <a:p>
             <a:pPr algn="l">
-              <a:defRPr b="0"/>
+              <a:defRPr>
+                <a:latin typeface="+mj-lt"/>
+                <a:ea typeface="+mj-ea"/>
+                <a:cs typeface="+mj-cs"/>
+                <a:sym typeface="Helvetica Neue"/>
+              </a:defRPr>
             </a:pPr>
             <a:r>
               <a:t>Own the simple business model.</a:t>
@@ -3970,14 +4968,14 @@
       </p:grpSpPr>
       <p:sp>
         <p:nvSpPr>
-          <p:cNvPr id="134" name="4 What’s your unique insight?…"/>
+          <p:cNvPr id="136" name="4 What’s your unique insight?…"/>
           <p:cNvSpPr txBox="1"/>
           <p:nvPr/>
         </p:nvSpPr>
         <p:spPr>
           <a:xfrm>
-            <a:off x="2086481" y="2469133"/>
-            <a:ext cx="19835882" cy="7378139"/>
+            <a:off x="2086480" y="2469133"/>
+            <a:ext cx="19835884" cy="6821933"/>
           </a:xfrm>
           <a:prstGeom prst="rect">
             <a:avLst/>
@@ -3998,10 +4996,14 @@
           <a:lstStyle/>
           <a:p>
             <a:pPr algn="l">
-              <a:defRPr sz="3600">
+              <a:defRPr b="1" sz="3600">
                 <a:solidFill>
                   <a:srgbClr val="929292"/>
                 </a:solidFill>
+                <a:latin typeface="+mj-lt"/>
+                <a:ea typeface="+mj-ea"/>
+                <a:cs typeface="+mj-cs"/>
+                <a:sym typeface="Helvetica Neue"/>
               </a:defRPr>
             </a:pPr>
             <a:r>
@@ -4010,10 +5012,14 @@
           </a:p>
           <a:p>
             <a:pPr algn="l">
-              <a:defRPr b="0">
+              <a:defRPr>
                 <a:solidFill>
                   <a:srgbClr val="929292"/>
                 </a:solidFill>
+                <a:latin typeface="+mj-lt"/>
+                <a:ea typeface="+mj-ea"/>
+                <a:cs typeface="+mj-cs"/>
+                <a:sym typeface="Helvetica Neue"/>
               </a:defRPr>
             </a:pPr>
             <a:r>
@@ -4022,28 +5028,40 @@
           </a:p>
           <a:p>
             <a:pPr algn="l">
-              <a:defRPr b="0">
+              <a:defRPr>
                 <a:solidFill>
                   <a:srgbClr val="929292"/>
                 </a:solidFill>
-              </a:defRPr>
-            </a:pPr>
-          </a:p>
-          <a:p>
-            <a:pPr algn="l">
-              <a:defRPr b="0">
+                <a:latin typeface="+mj-lt"/>
+                <a:ea typeface="+mj-ea"/>
+                <a:cs typeface="+mj-cs"/>
+                <a:sym typeface="Helvetica Neue"/>
+              </a:defRPr>
+            </a:pPr>
+          </a:p>
+          <a:p>
+            <a:pPr algn="l">
+              <a:defRPr>
                 <a:solidFill>
                   <a:srgbClr val="929292"/>
                 </a:solidFill>
-              </a:defRPr>
-            </a:pPr>
-          </a:p>
-          <a:p>
-            <a:pPr algn="l">
-              <a:defRPr sz="3600">
+                <a:latin typeface="+mj-lt"/>
+                <a:ea typeface="+mj-ea"/>
+                <a:cs typeface="+mj-cs"/>
+                <a:sym typeface="Helvetica Neue"/>
+              </a:defRPr>
+            </a:pPr>
+          </a:p>
+          <a:p>
+            <a:pPr algn="l">
+              <a:defRPr b="1" sz="3600">
                 <a:solidFill>
                   <a:srgbClr val="929292"/>
                 </a:solidFill>
+                <a:latin typeface="+mj-lt"/>
+                <a:ea typeface="+mj-ea"/>
+                <a:cs typeface="+mj-cs"/>
+                <a:sym typeface="Helvetica Neue"/>
               </a:defRPr>
             </a:pPr>
             <a:r>
@@ -4052,10 +5070,14 @@
           </a:p>
           <a:p>
             <a:pPr algn="l">
-              <a:defRPr b="0">
+              <a:defRPr>
                 <a:solidFill>
                   <a:srgbClr val="929292"/>
                 </a:solidFill>
+                <a:latin typeface="+mj-lt"/>
+                <a:ea typeface="+mj-ea"/>
+                <a:cs typeface="+mj-cs"/>
+                <a:sym typeface="Helvetica Neue"/>
               </a:defRPr>
             </a:pPr>
             <a:r>
@@ -4064,10 +5086,14 @@
           </a:p>
           <a:p>
             <a:pPr algn="l">
-              <a:defRPr b="0">
+              <a:defRPr>
                 <a:solidFill>
                   <a:srgbClr val="929292"/>
                 </a:solidFill>
+                <a:latin typeface="+mj-lt"/>
+                <a:ea typeface="+mj-ea"/>
+                <a:cs typeface="+mj-cs"/>
+                <a:sym typeface="Helvetica Neue"/>
               </a:defRPr>
             </a:pPr>
             <a:r>
@@ -4075,14 +5101,33 @@
             </a:r>
           </a:p>
           <a:p>
-            <a:pPr algn="l"/>
-          </a:p>
-          <a:p>
-            <a:pPr algn="l"/>
-          </a:p>
-          <a:p>
-            <a:pPr algn="l">
-              <a:defRPr sz="3600"/>
+            <a:pPr algn="l">
+              <a:defRPr b="1">
+                <a:latin typeface="+mj-lt"/>
+                <a:ea typeface="+mj-ea"/>
+                <a:cs typeface="+mj-cs"/>
+                <a:sym typeface="Helvetica Neue"/>
+              </a:defRPr>
+            </a:pPr>
+          </a:p>
+          <a:p>
+            <a:pPr algn="l">
+              <a:defRPr b="1">
+                <a:latin typeface="+mj-lt"/>
+                <a:ea typeface="+mj-ea"/>
+                <a:cs typeface="+mj-cs"/>
+                <a:sym typeface="Helvetica Neue"/>
+              </a:defRPr>
+            </a:pPr>
+          </a:p>
+          <a:p>
+            <a:pPr algn="l">
+              <a:defRPr b="1" sz="3600">
+                <a:latin typeface="+mj-lt"/>
+                <a:ea typeface="+mj-ea"/>
+                <a:cs typeface="+mj-cs"/>
+                <a:sym typeface="Helvetica Neue"/>
+              </a:defRPr>
             </a:pPr>
             <a:r>
               <a:t>6 Who is on your team? </a:t>
@@ -4090,7 +5135,12 @@
           </a:p>
           <a:p>
             <a:pPr algn="l">
-              <a:defRPr b="0"/>
+              <a:defRPr>
+                <a:latin typeface="+mj-lt"/>
+                <a:ea typeface="+mj-ea"/>
+                <a:cs typeface="+mj-cs"/>
+                <a:sym typeface="Helvetica Neue"/>
+              </a:defRPr>
             </a:pPr>
             <a:r>
               <a:t>How many founders? Is there a technical co-founder? How long have they known each other? Is everyone working full time? What is the equity split among the founders (hopefully equal or close to equal)?</a:t>
@@ -4126,14 +5176,14 @@
       </p:grpSpPr>
       <p:sp>
         <p:nvSpPr>
-          <p:cNvPr id="136" name="4 What’s your unique insight?…"/>
+          <p:cNvPr id="138" name="4 What’s your unique insight?…"/>
           <p:cNvSpPr txBox="1"/>
           <p:nvPr/>
         </p:nvSpPr>
         <p:spPr>
           <a:xfrm>
-            <a:off x="2086481" y="2469133"/>
-            <a:ext cx="19835882" cy="8777734"/>
+            <a:off x="2086480" y="2469133"/>
+            <a:ext cx="19835884" cy="8777733"/>
           </a:xfrm>
           <a:prstGeom prst="rect">
             <a:avLst/>
@@ -4154,80 +5204,18 @@
           <a:lstStyle/>
           <a:p>
             <a:pPr algn="l">
-              <a:defRPr sz="3600">
+              <a:defRPr b="1" sz="3600">
                 <a:solidFill>
                   <a:srgbClr val="929292"/>
                 </a:solidFill>
+                <a:latin typeface="+mj-lt"/>
+                <a:ea typeface="+mj-ea"/>
+                <a:cs typeface="+mj-cs"/>
+                <a:sym typeface="Helvetica Neue"/>
               </a:defRPr>
             </a:pPr>
             <a:r>
               <a:t>4 What’s your unique insight? </a:t>
-            </a:r>
-          </a:p>
-          <a:p>
-            <a:pPr algn="l">
-              <a:defRPr b="0">
-                <a:solidFill>
-                  <a:srgbClr val="929292"/>
-                </a:solidFill>
-              </a:defRPr>
-            </a:pPr>
-            <a:r>
-              <a:t>What I really want to understand is what you know about the problem that everyone else doesn’t. This is usually derived from multiple conversations with customers, deep analysis of current products in the space, and often personal experience.</a:t>
-            </a:r>
-          </a:p>
-          <a:p>
-            <a:pPr algn="l">
-              <a:defRPr b="0">
-                <a:solidFill>
-                  <a:srgbClr val="929292"/>
-                </a:solidFill>
-              </a:defRPr>
-            </a:pPr>
-          </a:p>
-          <a:p>
-            <a:pPr algn="l">
-              <a:defRPr b="0">
-                <a:solidFill>
-                  <a:srgbClr val="929292"/>
-                </a:solidFill>
-              </a:defRPr>
-            </a:pPr>
-          </a:p>
-          <a:p>
-            <a:pPr algn="l">
-              <a:defRPr sz="3600">
-                <a:solidFill>
-                  <a:srgbClr val="929292"/>
-                </a:solidFill>
-              </a:defRPr>
-            </a:pPr>
-            <a:r>
-              <a:t>5 What’s your business model? </a:t>
-            </a:r>
-          </a:p>
-          <a:p>
-            <a:pPr algn="l">
-              <a:defRPr b="0">
-                <a:solidFill>
-                  <a:srgbClr val="929292"/>
-                </a:solidFill>
-              </a:defRPr>
-            </a:pPr>
-            <a:r>
-              <a:t>There are two types of startups, those that know how they’ll make money and those that haven’t figured it out yet.</a:t>
-            </a:r>
-          </a:p>
-          <a:p>
-            <a:pPr algn="l">
-              <a:defRPr b="0">
-                <a:solidFill>
-                  <a:srgbClr val="929292"/>
-                </a:solidFill>
-              </a:defRPr>
-            </a:pPr>
-            <a:r>
-              <a:t>Own the simple business model.</a:t>
             </a:r>
           </a:p>
           <a:p>
@@ -4236,8 +5224,15 @@
                 <a:solidFill>
                   <a:srgbClr val="929292"/>
                 </a:solidFill>
-              </a:defRPr>
-            </a:pPr>
+                <a:latin typeface="+mj-lt"/>
+                <a:ea typeface="+mj-ea"/>
+                <a:cs typeface="+mj-cs"/>
+                <a:sym typeface="Helvetica Neue"/>
+              </a:defRPr>
+            </a:pPr>
+            <a:r>
+              <a:t>What I really want to understand is what you know about the problem that everyone else doesn’t. This is usually derived from multiple conversations with customers, deep analysis of current products in the space, and often personal experience.</a:t>
+            </a:r>
           </a:p>
           <a:p>
             <a:pPr algn="l">
@@ -4245,27 +5240,126 @@
                 <a:solidFill>
                   <a:srgbClr val="929292"/>
                 </a:solidFill>
-              </a:defRPr>
-            </a:pPr>
-          </a:p>
-          <a:p>
-            <a:pPr algn="l">
-              <a:defRPr sz="3600">
+                <a:latin typeface="+mj-lt"/>
+                <a:ea typeface="+mj-ea"/>
+                <a:cs typeface="+mj-cs"/>
+                <a:sym typeface="Helvetica Neue"/>
+              </a:defRPr>
+            </a:pPr>
+          </a:p>
+          <a:p>
+            <a:pPr algn="l">
+              <a:defRPr>
                 <a:solidFill>
                   <a:srgbClr val="929292"/>
                 </a:solidFill>
-              </a:defRPr>
-            </a:pPr>
-            <a:r>
-              <a:t>6 Who is on your team? </a:t>
-            </a:r>
-          </a:p>
-          <a:p>
-            <a:pPr algn="l">
-              <a:defRPr b="0">
+                <a:latin typeface="+mj-lt"/>
+                <a:ea typeface="+mj-ea"/>
+                <a:cs typeface="+mj-cs"/>
+                <a:sym typeface="Helvetica Neue"/>
+              </a:defRPr>
+            </a:pPr>
+          </a:p>
+          <a:p>
+            <a:pPr algn="l">
+              <a:defRPr b="1" sz="3600">
                 <a:solidFill>
                   <a:srgbClr val="929292"/>
                 </a:solidFill>
+                <a:latin typeface="+mj-lt"/>
+                <a:ea typeface="+mj-ea"/>
+                <a:cs typeface="+mj-cs"/>
+                <a:sym typeface="Helvetica Neue"/>
+              </a:defRPr>
+            </a:pPr>
+            <a:r>
+              <a:t>5 What’s your business model? </a:t>
+            </a:r>
+          </a:p>
+          <a:p>
+            <a:pPr algn="l">
+              <a:defRPr>
+                <a:solidFill>
+                  <a:srgbClr val="929292"/>
+                </a:solidFill>
+                <a:latin typeface="+mj-lt"/>
+                <a:ea typeface="+mj-ea"/>
+                <a:cs typeface="+mj-cs"/>
+                <a:sym typeface="Helvetica Neue"/>
+              </a:defRPr>
+            </a:pPr>
+            <a:r>
+              <a:t>There are two types of startups, those that know how they’ll make money and those that haven’t figured it out yet.</a:t>
+            </a:r>
+          </a:p>
+          <a:p>
+            <a:pPr algn="l">
+              <a:defRPr>
+                <a:solidFill>
+                  <a:srgbClr val="929292"/>
+                </a:solidFill>
+                <a:latin typeface="+mj-lt"/>
+                <a:ea typeface="+mj-ea"/>
+                <a:cs typeface="+mj-cs"/>
+                <a:sym typeface="Helvetica Neue"/>
+              </a:defRPr>
+            </a:pPr>
+            <a:r>
+              <a:t>Own the simple business model.</a:t>
+            </a:r>
+          </a:p>
+          <a:p>
+            <a:pPr algn="l">
+              <a:defRPr b="1">
+                <a:solidFill>
+                  <a:srgbClr val="929292"/>
+                </a:solidFill>
+                <a:latin typeface="+mj-lt"/>
+                <a:ea typeface="+mj-ea"/>
+                <a:cs typeface="+mj-cs"/>
+                <a:sym typeface="Helvetica Neue"/>
+              </a:defRPr>
+            </a:pPr>
+          </a:p>
+          <a:p>
+            <a:pPr algn="l">
+              <a:defRPr b="1">
+                <a:solidFill>
+                  <a:srgbClr val="929292"/>
+                </a:solidFill>
+                <a:latin typeface="+mj-lt"/>
+                <a:ea typeface="+mj-ea"/>
+                <a:cs typeface="+mj-cs"/>
+                <a:sym typeface="Helvetica Neue"/>
+              </a:defRPr>
+            </a:pPr>
+          </a:p>
+          <a:p>
+            <a:pPr algn="l">
+              <a:defRPr b="1" sz="3600">
+                <a:solidFill>
+                  <a:srgbClr val="929292"/>
+                </a:solidFill>
+                <a:latin typeface="+mj-lt"/>
+                <a:ea typeface="+mj-ea"/>
+                <a:cs typeface="+mj-cs"/>
+                <a:sym typeface="Helvetica Neue"/>
+              </a:defRPr>
+            </a:pPr>
+            <a:r>
+              <a:t>6 Who is on your team? </a:t>
+            </a:r>
+          </a:p>
+          <a:p>
+            <a:pPr algn="l">
+              <a:defRPr>
+                <a:solidFill>
+                  <a:srgbClr val="929292"/>
+                </a:solidFill>
+                <a:latin typeface="+mj-lt"/>
+                <a:ea typeface="+mj-ea"/>
+                <a:cs typeface="+mj-cs"/>
+                <a:sym typeface="Helvetica Neue"/>
               </a:defRPr>
             </a:pPr>
             <a:r>
@@ -4273,14 +5367,33 @@
             </a:r>
           </a:p>
           <a:p>
-            <a:pPr algn="l"/>
-          </a:p>
-          <a:p>
-            <a:pPr algn="l"/>
-          </a:p>
-          <a:p>
-            <a:pPr algn="l">
-              <a:defRPr sz="3600"/>
+            <a:pPr algn="l">
+              <a:defRPr b="1">
+                <a:latin typeface="+mj-lt"/>
+                <a:ea typeface="+mj-ea"/>
+                <a:cs typeface="+mj-cs"/>
+                <a:sym typeface="Helvetica Neue"/>
+              </a:defRPr>
+            </a:pPr>
+          </a:p>
+          <a:p>
+            <a:pPr algn="l">
+              <a:defRPr b="1">
+                <a:latin typeface="+mj-lt"/>
+                <a:ea typeface="+mj-ea"/>
+                <a:cs typeface="+mj-cs"/>
+                <a:sym typeface="Helvetica Neue"/>
+              </a:defRPr>
+            </a:pPr>
+          </a:p>
+          <a:p>
+            <a:pPr algn="l">
+              <a:defRPr b="1" sz="3600">
+                <a:latin typeface="+mj-lt"/>
+                <a:ea typeface="+mj-ea"/>
+                <a:cs typeface="+mj-cs"/>
+                <a:sym typeface="Helvetica Neue"/>
+              </a:defRPr>
             </a:pPr>
             <a:r>
               <a:t>7 What do you want? </a:t>
@@ -4288,7 +5401,12 @@
           </a:p>
           <a:p>
             <a:pPr algn="l">
-              <a:defRPr b="0"/>
+              <a:defRPr>
+                <a:latin typeface="+mj-lt"/>
+                <a:ea typeface="+mj-ea"/>
+                <a:cs typeface="+mj-cs"/>
+                <a:sym typeface="Helvetica Neue"/>
+              </a:defRPr>
             </a:pPr>
             <a:r>
               <a:t>Make it easy for me to help you. I want to help you.</a:t>
@@ -4324,14 +5442,14 @@
       </p:grpSpPr>
       <p:sp>
         <p:nvSpPr>
-          <p:cNvPr id="138" name="MICHAEL SEIBEL, CEO, YCOMBINATOR…"/>
+          <p:cNvPr id="140" name="MICHAEL SEIBEL, CEO, YCOMBINATOR…"/>
           <p:cNvSpPr txBox="1"/>
           <p:nvPr/>
         </p:nvSpPr>
         <p:spPr>
           <a:xfrm>
-            <a:off x="2086481" y="1170203"/>
-            <a:ext cx="19835882" cy="1764739"/>
+            <a:off x="2086480" y="1170202"/>
+            <a:ext cx="19835884" cy="1764740"/>
           </a:xfrm>
           <a:prstGeom prst="rect">
             <a:avLst/>
@@ -4352,7 +5470,12 @@
           <a:lstStyle/>
           <a:p>
             <a:pPr algn="l">
-              <a:defRPr sz="3600"/>
+              <a:defRPr b="1" sz="3600">
+                <a:latin typeface="+mj-lt"/>
+                <a:ea typeface="+mj-ea"/>
+                <a:cs typeface="+mj-cs"/>
+                <a:sym typeface="Helvetica Neue"/>
+              </a:defRPr>
             </a:pPr>
             <a:r>
               <a:t>MICHAEL SEIBEL, CEO, YCOMBINATOR</a:t>
@@ -4360,12 +5483,22 @@
           </a:p>
           <a:p>
             <a:pPr algn="l">
-              <a:defRPr sz="3600"/>
-            </a:pPr>
-          </a:p>
-          <a:p>
-            <a:pPr algn="l">
-              <a:defRPr sz="3600"/>
+              <a:defRPr b="1" sz="3600">
+                <a:latin typeface="+mj-lt"/>
+                <a:ea typeface="+mj-ea"/>
+                <a:cs typeface="+mj-cs"/>
+                <a:sym typeface="Helvetica Neue"/>
+              </a:defRPr>
+            </a:pPr>
+          </a:p>
+          <a:p>
+            <a:pPr algn="l">
+              <a:defRPr b="1" sz="3600">
+                <a:latin typeface="+mj-lt"/>
+                <a:ea typeface="+mj-ea"/>
+                <a:cs typeface="+mj-cs"/>
+                <a:sym typeface="Helvetica Neue"/>
+              </a:defRPr>
             </a:pPr>
             <a:r>
               <a:t>How to pitch your company? </a:t>
@@ -4375,14 +5508,14 @@
       </p:sp>
       <p:sp>
         <p:nvSpPr>
-          <p:cNvPr id="139" name="1 What do you do?…"/>
+          <p:cNvPr id="141" name="1 What do you do?…"/>
           <p:cNvSpPr txBox="1"/>
           <p:nvPr/>
         </p:nvSpPr>
         <p:spPr>
           <a:xfrm>
-            <a:off x="2086481" y="3861520"/>
-            <a:ext cx="19835882" cy="6984439"/>
+            <a:off x="2086480" y="3861520"/>
+            <a:ext cx="19835884" cy="6984439"/>
           </a:xfrm>
           <a:prstGeom prst="rect">
             <a:avLst/>
@@ -4403,18 +5536,35 @@
           <a:lstStyle/>
           <a:p>
             <a:pPr algn="l">
-              <a:defRPr sz="3600"/>
+              <a:defRPr b="1" sz="3600">
+                <a:latin typeface="+mj-lt"/>
+                <a:ea typeface="+mj-ea"/>
+                <a:cs typeface="+mj-cs"/>
+                <a:sym typeface="Helvetica Neue"/>
+              </a:defRPr>
             </a:pPr>
             <a:r>
               <a:t>1 What do you do? </a:t>
             </a:r>
           </a:p>
           <a:p>
-            <a:pPr algn="l"/>
-          </a:p>
-          <a:p>
-            <a:pPr algn="l">
-              <a:defRPr sz="3600"/>
+            <a:pPr algn="l">
+              <a:defRPr b="1">
+                <a:latin typeface="+mj-lt"/>
+                <a:ea typeface="+mj-ea"/>
+                <a:cs typeface="+mj-cs"/>
+                <a:sym typeface="Helvetica Neue"/>
+              </a:defRPr>
+            </a:pPr>
+          </a:p>
+          <a:p>
+            <a:pPr algn="l">
+              <a:defRPr b="1" sz="3600">
+                <a:latin typeface="+mj-lt"/>
+                <a:ea typeface="+mj-ea"/>
+                <a:cs typeface="+mj-cs"/>
+                <a:sym typeface="Helvetica Neue"/>
+              </a:defRPr>
             </a:pPr>
             <a:r>
               <a:t>2 How big is the market? </a:t>
@@ -4422,12 +5572,22 @@
           </a:p>
           <a:p>
             <a:pPr algn="l">
-              <a:defRPr sz="3600"/>
-            </a:pPr>
-          </a:p>
-          <a:p>
-            <a:pPr algn="l">
-              <a:defRPr sz="3600"/>
+              <a:defRPr b="1" sz="3600">
+                <a:latin typeface="+mj-lt"/>
+                <a:ea typeface="+mj-ea"/>
+                <a:cs typeface="+mj-cs"/>
+                <a:sym typeface="Helvetica Neue"/>
+              </a:defRPr>
+            </a:pPr>
+          </a:p>
+          <a:p>
+            <a:pPr algn="l">
+              <a:defRPr b="1" sz="3600">
+                <a:latin typeface="+mj-lt"/>
+                <a:ea typeface="+mj-ea"/>
+                <a:cs typeface="+mj-cs"/>
+                <a:sym typeface="Helvetica Neue"/>
+              </a:defRPr>
             </a:pPr>
             <a:r>
               <a:t>3 What’s your progress? </a:t>
@@ -4435,12 +5595,22 @@
           </a:p>
           <a:p>
             <a:pPr algn="l">
-              <a:defRPr sz="3600"/>
-            </a:pPr>
-          </a:p>
-          <a:p>
-            <a:pPr algn="l">
-              <a:defRPr sz="3600"/>
+              <a:defRPr b="1" sz="3600">
+                <a:latin typeface="+mj-lt"/>
+                <a:ea typeface="+mj-ea"/>
+                <a:cs typeface="+mj-cs"/>
+                <a:sym typeface="Helvetica Neue"/>
+              </a:defRPr>
+            </a:pPr>
+          </a:p>
+          <a:p>
+            <a:pPr algn="l">
+              <a:defRPr b="1" sz="3600">
+                <a:latin typeface="+mj-lt"/>
+                <a:ea typeface="+mj-ea"/>
+                <a:cs typeface="+mj-cs"/>
+                <a:sym typeface="Helvetica Neue"/>
+              </a:defRPr>
             </a:pPr>
             <a:r>
               <a:t>4 What’s your unique insight? </a:t>
@@ -4448,34 +5618,68 @@
           </a:p>
           <a:p>
             <a:pPr algn="l">
-              <a:defRPr b="0"/>
-            </a:pPr>
-          </a:p>
-          <a:p>
-            <a:pPr algn="l">
-              <a:defRPr sz="3600"/>
+              <a:defRPr>
+                <a:latin typeface="+mj-lt"/>
+                <a:ea typeface="+mj-ea"/>
+                <a:cs typeface="+mj-cs"/>
+                <a:sym typeface="Helvetica Neue"/>
+              </a:defRPr>
+            </a:pPr>
+          </a:p>
+          <a:p>
+            <a:pPr algn="l">
+              <a:defRPr b="1" sz="3600">
+                <a:latin typeface="+mj-lt"/>
+                <a:ea typeface="+mj-ea"/>
+                <a:cs typeface="+mj-cs"/>
+                <a:sym typeface="Helvetica Neue"/>
+              </a:defRPr>
             </a:pPr>
             <a:r>
               <a:t>5 What’s your business model? </a:t>
             </a:r>
           </a:p>
           <a:p>
-            <a:pPr algn="l"/>
-          </a:p>
-          <a:p>
-            <a:pPr algn="l">
-              <a:defRPr sz="3600"/>
+            <a:pPr algn="l">
+              <a:defRPr b="1">
+                <a:latin typeface="+mj-lt"/>
+                <a:ea typeface="+mj-ea"/>
+                <a:cs typeface="+mj-cs"/>
+                <a:sym typeface="Helvetica Neue"/>
+              </a:defRPr>
+            </a:pPr>
+          </a:p>
+          <a:p>
+            <a:pPr algn="l">
+              <a:defRPr b="1" sz="3600">
+                <a:latin typeface="+mj-lt"/>
+                <a:ea typeface="+mj-ea"/>
+                <a:cs typeface="+mj-cs"/>
+                <a:sym typeface="Helvetica Neue"/>
+              </a:defRPr>
             </a:pPr>
             <a:r>
               <a:t>6 Who is on your team? </a:t>
             </a:r>
           </a:p>
           <a:p>
-            <a:pPr algn="l"/>
-          </a:p>
-          <a:p>
-            <a:pPr algn="l">
-              <a:defRPr sz="3600"/>
+            <a:pPr algn="l">
+              <a:defRPr b="1">
+                <a:latin typeface="+mj-lt"/>
+                <a:ea typeface="+mj-ea"/>
+                <a:cs typeface="+mj-cs"/>
+                <a:sym typeface="Helvetica Neue"/>
+              </a:defRPr>
+            </a:pPr>
+          </a:p>
+          <a:p>
+            <a:pPr algn="l">
+              <a:defRPr b="1" sz="3600">
+                <a:latin typeface="+mj-lt"/>
+                <a:ea typeface="+mj-ea"/>
+                <a:cs typeface="+mj-cs"/>
+                <a:sym typeface="Helvetica Neue"/>
+              </a:defRPr>
             </a:pPr>
             <a:r>
               <a:t>7 What do you want? </a:t>
@@ -4503,10 +5707,10 @@
         <a:srgbClr val="FFFFFF"/>
       </a:lt1>
       <a:dk2>
-        <a:srgbClr val="5E5E5E"/>
+        <a:srgbClr val="A7A7A7"/>
       </a:dk2>
       <a:lt2>
-        <a:srgbClr val="D5D5D5"/>
+        <a:srgbClr val="535353"/>
       </a:lt2>
       <a:accent1>
         <a:srgbClr val="00A2FF"/>
@@ -4535,14 +5739,14 @@
     </a:clrScheme>
     <a:fontScheme name="White">
       <a:majorFont>
-        <a:latin typeface="Helvetica Neue Medium"/>
-        <a:ea typeface="Helvetica Neue Medium"/>
-        <a:cs typeface="Helvetica Neue Medium"/>
+        <a:latin typeface="Helvetica Neue"/>
+        <a:ea typeface="Helvetica Neue"/>
+        <a:cs typeface="Helvetica Neue"/>
       </a:majorFont>
       <a:minorFont>
-        <a:latin typeface="Helvetica Neue Medium"/>
-        <a:ea typeface="Helvetica Neue Medium"/>
-        <a:cs typeface="Helvetica Neue Medium"/>
+        <a:latin typeface="Helvetica"/>
+        <a:ea typeface="Helvetica"/>
+        <a:cs typeface="Helvetica"/>
       </a:minorFont>
     </a:fontScheme>
     <a:fmtScheme name="White">
@@ -4683,11 +5887,14 @@
     <a:spDef>
       <a:spPr>
         <a:solidFill>
-          <a:schemeClr val="accent1"/>
+          <a:srgbClr val="FFFFFF"/>
         </a:solidFill>
-        <a:ln w="12700" cap="flat">
-          <a:noFill/>
-          <a:miter lim="400000"/>
+        <a:ln w="25400" cap="flat">
+          <a:solidFill>
+            <a:schemeClr val="accent1"/>
+          </a:solidFill>
+          <a:prstDash val="solid"/>
+          <a:round/>
         </a:ln>
         <a:effectLst/>
         <a:sp3d/>
@@ -4711,18 +5918,18 @@
           <a:buFontTx/>
           <a:buNone/>
           <a:tabLst/>
-          <a:defRPr b="0" baseline="0" cap="none" i="0" spc="0" strike="noStrike" sz="3200" u="none" kumimoji="0" normalizeH="0">
+          <a:defRPr b="0" baseline="0" cap="none" i="0" spc="0" strike="noStrike" sz="3000" u="none" kumimoji="0" normalizeH="0">
             <a:ln>
               <a:noFill/>
             </a:ln>
             <a:solidFill>
-              <a:srgbClr val="FFFFFF"/>
+              <a:srgbClr val="000000"/>
             </a:solidFill>
             <a:effectLst/>
             <a:uFillTx/>
-            <a:latin typeface="+mn-lt"/>
-            <a:ea typeface="+mn-ea"/>
-            <a:cs typeface="+mn-cs"/>
+            <a:latin typeface="Helvetica Neue Medium"/>
+            <a:ea typeface="Helvetica Neue Medium"/>
+            <a:cs typeface="Helvetica Neue Medium"/>
             <a:sym typeface="Helvetica Neue Medium"/>
           </a:defRPr>
         </a:defPPr>
@@ -4973,10 +6180,10 @@
         <a:noFill/>
         <a:ln w="25400" cap="flat">
           <a:solidFill>
-            <a:srgbClr val="000000"/>
+            <a:schemeClr val="accent1"/>
           </a:solidFill>
           <a:prstDash val="solid"/>
-          <a:miter lim="400000"/>
+          <a:round/>
         </a:ln>
         <a:effectLst/>
         <a:sp3d/>
@@ -5282,7 +6489,7 @@
           <a:buFontTx/>
           <a:buNone/>
           <a:tabLst/>
-          <a:defRPr b="1" baseline="0" cap="none" i="0" spc="0" strike="noStrike" sz="3000" u="none" kumimoji="0" normalizeH="0">
+          <a:defRPr b="0" baseline="0" cap="none" i="0" spc="0" strike="noStrike" sz="3000" u="none" kumimoji="0" normalizeH="0">
             <a:ln>
               <a:noFill/>
             </a:ln>
@@ -5291,10 +6498,10 @@
             </a:solidFill>
             <a:effectLst/>
             <a:uFillTx/>
-            <a:latin typeface="Helvetica Neue"/>
-            <a:ea typeface="Helvetica Neue"/>
-            <a:cs typeface="Helvetica Neue"/>
-            <a:sym typeface="Helvetica Neue"/>
+            <a:latin typeface="Helvetica Neue Medium"/>
+            <a:ea typeface="Helvetica Neue Medium"/>
+            <a:cs typeface="Helvetica Neue Medium"/>
+            <a:sym typeface="Helvetica Neue Medium"/>
           </a:defRPr>
         </a:defPPr>
         <a:lvl1pPr marL="0" marR="0" indent="0" algn="l" defTabSz="914400" rtl="0" fontAlgn="auto" latinLnBrk="1" hangingPunct="0">
@@ -5554,10 +6761,10 @@
         <a:srgbClr val="FFFFFF"/>
       </a:lt1>
       <a:dk2>
-        <a:srgbClr val="5E5E5E"/>
+        <a:srgbClr val="A7A7A7"/>
       </a:dk2>
       <a:lt2>
-        <a:srgbClr val="D5D5D5"/>
+        <a:srgbClr val="535353"/>
       </a:lt2>
       <a:accent1>
         <a:srgbClr val="00A2FF"/>
@@ -5586,14 +6793,14 @@
     </a:clrScheme>
     <a:fontScheme name="White">
       <a:majorFont>
-        <a:latin typeface="Helvetica Neue Medium"/>
-        <a:ea typeface="Helvetica Neue Medium"/>
-        <a:cs typeface="Helvetica Neue Medium"/>
+        <a:latin typeface="Helvetica Neue"/>
+        <a:ea typeface="Helvetica Neue"/>
+        <a:cs typeface="Helvetica Neue"/>
       </a:majorFont>
       <a:minorFont>
-        <a:latin typeface="Helvetica Neue Medium"/>
-        <a:ea typeface="Helvetica Neue Medium"/>
-        <a:cs typeface="Helvetica Neue Medium"/>
+        <a:latin typeface="Helvetica"/>
+        <a:ea typeface="Helvetica"/>
+        <a:cs typeface="Helvetica"/>
       </a:minorFont>
     </a:fontScheme>
     <a:fmtScheme name="White">
@@ -5734,11 +6941,14 @@
     <a:spDef>
       <a:spPr>
         <a:solidFill>
-          <a:schemeClr val="accent1"/>
+          <a:srgbClr val="FFFFFF"/>
         </a:solidFill>
-        <a:ln w="12700" cap="flat">
-          <a:noFill/>
-          <a:miter lim="400000"/>
+        <a:ln w="25400" cap="flat">
+          <a:solidFill>
+            <a:schemeClr val="accent1"/>
+          </a:solidFill>
+          <a:prstDash val="solid"/>
+          <a:round/>
         </a:ln>
         <a:effectLst/>
         <a:sp3d/>
@@ -5762,18 +6972,18 @@
           <a:buFontTx/>
           <a:buNone/>
           <a:tabLst/>
-          <a:defRPr b="0" baseline="0" cap="none" i="0" spc="0" strike="noStrike" sz="3200" u="none" kumimoji="0" normalizeH="0">
+          <a:defRPr b="0" baseline="0" cap="none" i="0" spc="0" strike="noStrike" sz="3000" u="none" kumimoji="0" normalizeH="0">
             <a:ln>
               <a:noFill/>
             </a:ln>
             <a:solidFill>
-              <a:srgbClr val="FFFFFF"/>
+              <a:srgbClr val="000000"/>
             </a:solidFill>
             <a:effectLst/>
             <a:uFillTx/>
-            <a:latin typeface="+mn-lt"/>
-            <a:ea typeface="+mn-ea"/>
-            <a:cs typeface="+mn-cs"/>
+            <a:latin typeface="Helvetica Neue Medium"/>
+            <a:ea typeface="Helvetica Neue Medium"/>
+            <a:cs typeface="Helvetica Neue Medium"/>
             <a:sym typeface="Helvetica Neue Medium"/>
           </a:defRPr>
         </a:defPPr>
@@ -6024,10 +7234,10 @@
         <a:noFill/>
         <a:ln w="25400" cap="flat">
           <a:solidFill>
-            <a:srgbClr val="000000"/>
+            <a:schemeClr val="accent1"/>
           </a:solidFill>
           <a:prstDash val="solid"/>
-          <a:miter lim="400000"/>
+          <a:round/>
         </a:ln>
         <a:effectLst/>
         <a:sp3d/>
@@ -6333,7 +7543,7 @@
           <a:buFontTx/>
           <a:buNone/>
           <a:tabLst/>
-          <a:defRPr b="1" baseline="0" cap="none" i="0" spc="0" strike="noStrike" sz="3000" u="none" kumimoji="0" normalizeH="0">
+          <a:defRPr b="0" baseline="0" cap="none" i="0" spc="0" strike="noStrike" sz="3000" u="none" kumimoji="0" normalizeH="0">
             <a:ln>
               <a:noFill/>
             </a:ln>
@@ -6342,10 +7552,10 @@
             </a:solidFill>
             <a:effectLst/>
             <a:uFillTx/>
-            <a:latin typeface="Helvetica Neue"/>
-            <a:ea typeface="Helvetica Neue"/>
-            <a:cs typeface="Helvetica Neue"/>
-            <a:sym typeface="Helvetica Neue"/>
+            <a:latin typeface="Helvetica Neue Medium"/>
+            <a:ea typeface="Helvetica Neue Medium"/>
+            <a:cs typeface="Helvetica Neue Medium"/>
+            <a:sym typeface="Helvetica Neue Medium"/>
           </a:defRPr>
         </a:defPPr>
         <a:lvl1pPr marL="0" marR="0" indent="0" algn="l" defTabSz="914400" rtl="0" fontAlgn="auto" latinLnBrk="1" hangingPunct="0">
